--- a/materials/slides/ch07/07 VuGen相关设置.pptx
+++ b/materials/slides/ch07/07 VuGen相关设置.pptx
@@ -208,7 +208,7 @@
           <a:p>
             <a:fld id="{12917036-4097-4A67-B82A-FD5C6195453D}" type="datetimeFigureOut">
               <a:rPr lang="zh-CN" altLang="en-US" smtClean="0"/>
-              <a:t>2019/10/21</a:t>
+              <a:t>2019/10/22</a:t>
             </a:fld>
             <a:endParaRPr lang="zh-CN" altLang="en-US"/>
           </a:p>
@@ -503,12 +503,7 @@
             <p:ph type="sldImg"/>
           </p:nvPr>
         </p:nvSpPr>
-        <p:spPr>
-          <a:xfrm>
-            <a:off x="381000" y="685800"/>
-            <a:ext cx="6096000" cy="3429000"/>
-          </a:xfrm>
-        </p:spPr>
+        <p:spPr/>
       </p:sp>
       <p:sp>
         <p:nvSpPr>
@@ -525,10 +520,6 @@
           <a:bodyPr/>
           <a:lstStyle/>
           <a:p>
-            <a:r>
-              <a:rPr lang="zh-CN" altLang="en-US" dirty="0" smtClean="0"/>
-              <a:t>拔高、总结、思考的过程</a:t>
-            </a:r>
             <a:endParaRPr lang="zh-CN" altLang="en-US" dirty="0"/>
           </a:p>
         </p:txBody>
@@ -550,7 +541,7 @@
           <a:p>
             <a:fld id="{492130AA-67D2-4DB7-A4EE-A3ADA8CA71A6}" type="slidenum">
               <a:rPr lang="zh-CN" altLang="en-US" smtClean="0"/>
-              <a:t>2</a:t>
+              <a:t>1</a:t>
             </a:fld>
             <a:endParaRPr lang="zh-CN" altLang="en-US"/>
           </a:p>
@@ -559,7 +550,7 @@
     </p:spTree>
     <p:extLst>
       <p:ext uri="{BB962C8B-B14F-4D97-AF65-F5344CB8AC3E}">
-        <p14:creationId xmlns:p14="http://schemas.microsoft.com/office/powerpoint/2010/main" val="3831952153"/>
+        <p14:creationId xmlns:p14="http://schemas.microsoft.com/office/powerpoint/2010/main" val="357850902"/>
       </p:ext>
     </p:extLst>
   </p:cSld>
@@ -620,6 +611,536 @@
           </a:bodyPr>
           <a:lstStyle/>
           <a:p>
+            <a:r>
+              <a:rPr lang="zh-CN" altLang="en-US" b="1" dirty="0" smtClean="0">
+                <a:solidFill>
+                  <a:srgbClr val="FF0000"/>
+                </a:solidFill>
+              </a:rPr>
+              <a:t>标准日志</a:t>
+            </a:r>
+            <a:r>
+              <a:rPr lang="zh-CN" altLang="en-US" dirty="0" smtClean="0">
+                <a:solidFill>
+                  <a:srgbClr val="FF0000"/>
+                </a:solidFill>
+              </a:rPr>
+              <a:t>：创建在脚本执行期间发送的函数和消息的标准日志，供调试时使用。</a:t>
+            </a:r>
+            <a:endParaRPr lang="en-US" altLang="zh-CN" dirty="0" smtClean="0">
+              <a:solidFill>
+                <a:srgbClr val="FF0000"/>
+              </a:solidFill>
+            </a:endParaRPr>
+          </a:p>
+          <a:p>
+            <a:r>
+              <a:rPr lang="zh-CN" altLang="en-US" b="1" dirty="0" smtClean="0">
+                <a:solidFill>
+                  <a:srgbClr val="FF0000"/>
+                </a:solidFill>
+              </a:rPr>
+              <a:t>扩展日志：</a:t>
+            </a:r>
+            <a:r>
+              <a:rPr lang="zh-CN" altLang="en-US" dirty="0" smtClean="0">
+                <a:solidFill>
+                  <a:srgbClr val="FF0000"/>
+                </a:solidFill>
+              </a:rPr>
+              <a:t>创建扩展日志，包括警告和其他消息。</a:t>
+            </a:r>
+          </a:p>
+          <a:p>
+            <a:r>
+              <a:rPr lang="zh-CN" altLang="en-US" sz="1200" dirty="0" smtClean="0">
+                <a:solidFill>
+                  <a:srgbClr val="FF0000"/>
+                </a:solidFill>
+              </a:rPr>
+              <a:t>执行期间，</a:t>
+            </a:r>
+            <a:r>
+              <a:rPr lang="en-US" altLang="zh-CN" sz="1200" dirty="0" err="1" smtClean="0">
+                <a:solidFill>
+                  <a:srgbClr val="FF0000"/>
+                </a:solidFill>
+              </a:rPr>
+              <a:t>Vuser</a:t>
+            </a:r>
+            <a:r>
+              <a:rPr lang="en-US" altLang="zh-CN" sz="1200" dirty="0" smtClean="0">
+                <a:solidFill>
+                  <a:srgbClr val="FF0000"/>
+                </a:solidFill>
+              </a:rPr>
+              <a:t> </a:t>
+            </a:r>
+            <a:r>
+              <a:rPr lang="zh-CN" altLang="en-US" sz="1200" dirty="0" smtClean="0">
+                <a:solidFill>
+                  <a:srgbClr val="FF0000"/>
+                </a:solidFill>
+              </a:rPr>
+              <a:t>会记录有关它本身及其与服务器之间通信的信息。在 </a:t>
+            </a:r>
+            <a:r>
+              <a:rPr lang="en-US" altLang="zh-CN" sz="1200" dirty="0" smtClean="0">
+                <a:solidFill>
+                  <a:srgbClr val="FF0000"/>
+                </a:solidFill>
+              </a:rPr>
+              <a:t>Windows </a:t>
+            </a:r>
+            <a:r>
+              <a:rPr lang="zh-CN" altLang="en-US" sz="1200" dirty="0" smtClean="0">
+                <a:solidFill>
+                  <a:srgbClr val="FF0000"/>
+                </a:solidFill>
+              </a:rPr>
+              <a:t>环境中，该信息将存储在脚本目录下名为 </a:t>
+            </a:r>
+            <a:r>
+              <a:rPr lang="en-US" altLang="zh-CN" sz="1200" i="1" dirty="0" smtClean="0">
+                <a:solidFill>
+                  <a:srgbClr val="FF0000"/>
+                </a:solidFill>
+              </a:rPr>
+              <a:t>output.txt</a:t>
+            </a:r>
+            <a:r>
+              <a:rPr lang="zh-CN" altLang="en-US" sz="1200" dirty="0" smtClean="0">
+                <a:solidFill>
+                  <a:srgbClr val="FF0000"/>
+                </a:solidFill>
+              </a:rPr>
+              <a:t> 的文件中。</a:t>
+            </a:r>
+            <a:endParaRPr lang="en-US" altLang="zh-CN" sz="1200" dirty="0" smtClean="0">
+              <a:solidFill>
+                <a:srgbClr val="FF0000"/>
+              </a:solidFill>
+            </a:endParaRPr>
+          </a:p>
+          <a:p>
+            <a:r>
+              <a:rPr lang="zh-CN" altLang="en-US" sz="1200" dirty="0" smtClean="0">
+                <a:solidFill>
+                  <a:srgbClr val="FF0000"/>
+                </a:solidFill>
+              </a:rPr>
+              <a:t>调试时，该日志信息非常有用。</a:t>
+            </a:r>
+          </a:p>
+          <a:p>
+            <a:pPr marL="0" marR="0" indent="0" algn="l" defTabSz="914400" rtl="0" eaLnBrk="0" fontAlgn="base" latinLnBrk="0" hangingPunct="0">
+              <a:lnSpc>
+                <a:spcPct val="100000"/>
+              </a:lnSpc>
+              <a:spcBef>
+                <a:spcPct val="30000"/>
+              </a:spcBef>
+              <a:spcAft>
+                <a:spcPct val="0"/>
+              </a:spcAft>
+              <a:buClrTx/>
+              <a:buSzTx/>
+              <a:buFontTx/>
+              <a:buNone/>
+              <a:tabLst/>
+              <a:defRPr/>
+            </a:pPr>
+            <a:r>
+              <a:rPr lang="zh-CN" altLang="en-US" dirty="0" smtClean="0"/>
+              <a:t>参数替换，日志功能开启，会占用网络带宽，磁盘空间</a:t>
+            </a:r>
+            <a:endParaRPr lang="en-US" altLang="zh-CN" dirty="0" smtClean="0"/>
+          </a:p>
+          <a:p>
+            <a:pPr marL="0" marR="0" indent="0" algn="l" defTabSz="914400" rtl="0" eaLnBrk="0" fontAlgn="base" latinLnBrk="0" hangingPunct="0">
+              <a:lnSpc>
+                <a:spcPct val="100000"/>
+              </a:lnSpc>
+              <a:spcBef>
+                <a:spcPct val="30000"/>
+              </a:spcBef>
+              <a:spcAft>
+                <a:spcPct val="0"/>
+              </a:spcAft>
+              <a:buClrTx/>
+              <a:buSzTx/>
+              <a:buFontTx/>
+              <a:buNone/>
+              <a:tabLst/>
+              <a:defRPr/>
+            </a:pPr>
+            <a:r>
+              <a:rPr lang="zh-CN" altLang="en-US" dirty="0" smtClean="0"/>
+              <a:t>高级跟踪：服务器端与客户端之间的信息，都会被记录</a:t>
+            </a:r>
+            <a:endParaRPr lang="en-US" altLang="zh-CN" dirty="0" smtClean="0"/>
+          </a:p>
+          <a:p>
+            <a:r>
+              <a:rPr lang="en-US" altLang="zh-CN" sz="1200" kern="1200" dirty="0" err="1" smtClean="0">
+                <a:solidFill>
+                  <a:schemeClr val="tx1"/>
+                </a:solidFill>
+                <a:effectLst/>
+                <a:latin typeface="+mn-lt"/>
+                <a:ea typeface="+mn-ea"/>
+                <a:cs typeface="+mn-cs"/>
+              </a:rPr>
+              <a:t>lr_log_message</a:t>
+            </a:r>
+            <a:r>
+              <a:rPr lang="en-US" altLang="zh-CN" sz="1200" kern="1200" dirty="0" smtClean="0">
+                <a:solidFill>
+                  <a:schemeClr val="tx1"/>
+                </a:solidFill>
+                <a:effectLst/>
+                <a:latin typeface="+mn-lt"/>
+                <a:ea typeface="+mn-ea"/>
+                <a:cs typeface="+mn-cs"/>
+              </a:rPr>
+              <a:t>  </a:t>
+            </a:r>
+            <a:r>
+              <a:rPr lang="zh-CN" altLang="zh-CN" sz="1200" kern="1200" dirty="0" smtClean="0">
+                <a:solidFill>
+                  <a:schemeClr val="tx1"/>
+                </a:solidFill>
+                <a:effectLst/>
+                <a:latin typeface="+mn-lt"/>
+                <a:ea typeface="+mn-ea"/>
+                <a:cs typeface="+mn-cs"/>
+              </a:rPr>
+              <a:t>只是记会写到本地</a:t>
+            </a:r>
+            <a:r>
+              <a:rPr lang="en-US" altLang="zh-CN" sz="1200" kern="1200" dirty="0" err="1" smtClean="0">
+                <a:solidFill>
+                  <a:schemeClr val="tx1"/>
+                </a:solidFill>
+                <a:effectLst/>
+                <a:latin typeface="+mn-lt"/>
+                <a:ea typeface="+mn-ea"/>
+                <a:cs typeface="+mn-cs"/>
+              </a:rPr>
+              <a:t>vuser</a:t>
+            </a:r>
+            <a:r>
+              <a:rPr lang="zh-CN" altLang="zh-CN" sz="1200" kern="1200" dirty="0" smtClean="0">
+                <a:solidFill>
+                  <a:schemeClr val="tx1"/>
+                </a:solidFill>
+                <a:effectLst/>
+                <a:latin typeface="+mn-lt"/>
+                <a:ea typeface="+mn-ea"/>
+                <a:cs typeface="+mn-cs"/>
+              </a:rPr>
+              <a:t>的</a:t>
+            </a:r>
+            <a:r>
+              <a:rPr lang="en-US" altLang="zh-CN" sz="1200" kern="1200" dirty="0" smtClean="0">
+                <a:solidFill>
+                  <a:schemeClr val="tx1"/>
+                </a:solidFill>
+                <a:effectLst/>
+                <a:latin typeface="+mn-lt"/>
+                <a:ea typeface="+mn-ea"/>
+                <a:cs typeface="+mn-cs"/>
+              </a:rPr>
+              <a:t>log</a:t>
+            </a:r>
+            <a:r>
+              <a:rPr lang="zh-CN" altLang="zh-CN" sz="1200" kern="1200" dirty="0" smtClean="0">
+                <a:solidFill>
+                  <a:schemeClr val="tx1"/>
+                </a:solidFill>
+                <a:effectLst/>
+                <a:latin typeface="+mn-lt"/>
+                <a:ea typeface="+mn-ea"/>
+                <a:cs typeface="+mn-cs"/>
+              </a:rPr>
+              <a:t>里面。</a:t>
+            </a:r>
+          </a:p>
+          <a:p>
+            <a:r>
+              <a:rPr lang="en-US" altLang="zh-CN" sz="1200" kern="1200" dirty="0" smtClean="0">
+                <a:solidFill>
+                  <a:schemeClr val="tx1"/>
+                </a:solidFill>
+                <a:effectLst/>
+                <a:latin typeface="+mn-lt"/>
+                <a:ea typeface="+mn-ea"/>
+                <a:cs typeface="+mn-cs"/>
+              </a:rPr>
+              <a:t/>
+            </a:r>
+            <a:br>
+              <a:rPr lang="en-US" altLang="zh-CN" sz="1200" kern="1200" dirty="0" smtClean="0">
+                <a:solidFill>
+                  <a:schemeClr val="tx1"/>
+                </a:solidFill>
+                <a:effectLst/>
+                <a:latin typeface="+mn-lt"/>
+                <a:ea typeface="+mn-ea"/>
+                <a:cs typeface="+mn-cs"/>
+              </a:rPr>
+            </a:br>
+            <a:r>
+              <a:rPr lang="en-US" altLang="zh-CN" sz="1200" kern="1200" dirty="0" err="1" smtClean="0">
+                <a:solidFill>
+                  <a:schemeClr val="tx1"/>
+                </a:solidFill>
+                <a:effectLst/>
+                <a:latin typeface="+mn-lt"/>
+                <a:ea typeface="+mn-ea"/>
+                <a:cs typeface="+mn-cs"/>
+              </a:rPr>
+              <a:t>lr_message</a:t>
+            </a:r>
+            <a:r>
+              <a:rPr lang="en-US" altLang="zh-CN" sz="1200" kern="1200" dirty="0" smtClean="0">
+                <a:solidFill>
+                  <a:schemeClr val="tx1"/>
+                </a:solidFill>
+                <a:effectLst/>
+                <a:latin typeface="+mn-lt"/>
+                <a:ea typeface="+mn-ea"/>
+                <a:cs typeface="+mn-cs"/>
+              </a:rPr>
+              <a:t> </a:t>
+            </a:r>
+            <a:r>
+              <a:rPr lang="zh-CN" altLang="zh-CN" sz="1200" kern="1200" dirty="0" smtClean="0">
+                <a:solidFill>
+                  <a:schemeClr val="tx1"/>
+                </a:solidFill>
+                <a:effectLst/>
+                <a:latin typeface="+mn-lt"/>
+                <a:ea typeface="+mn-ea"/>
+                <a:cs typeface="+mn-cs"/>
+              </a:rPr>
+              <a:t>和</a:t>
+            </a:r>
+            <a:r>
+              <a:rPr lang="en-US" altLang="zh-CN" sz="1200" kern="1200" dirty="0" err="1" smtClean="0">
+                <a:solidFill>
+                  <a:schemeClr val="tx1"/>
+                </a:solidFill>
+                <a:effectLst/>
+                <a:latin typeface="+mn-lt"/>
+                <a:ea typeface="+mn-ea"/>
+                <a:cs typeface="+mn-cs"/>
+              </a:rPr>
+              <a:t>lr_output_message</a:t>
+            </a:r>
+            <a:r>
+              <a:rPr lang="zh-CN" altLang="zh-CN" sz="1200" kern="1200" dirty="0" smtClean="0">
+                <a:solidFill>
+                  <a:schemeClr val="tx1"/>
+                </a:solidFill>
+                <a:effectLst/>
+                <a:latin typeface="+mn-lt"/>
+                <a:ea typeface="+mn-ea"/>
+                <a:cs typeface="+mn-cs"/>
+              </a:rPr>
+              <a:t>基本相同，它们会同时写到</a:t>
+            </a:r>
+            <a:r>
+              <a:rPr lang="en-US" altLang="zh-CN" sz="1200" kern="1200" dirty="0" err="1" smtClean="0">
+                <a:solidFill>
+                  <a:schemeClr val="tx1"/>
+                </a:solidFill>
+                <a:effectLst/>
+                <a:latin typeface="+mn-lt"/>
+                <a:ea typeface="+mn-ea"/>
+                <a:cs typeface="+mn-cs"/>
+              </a:rPr>
+              <a:t>vuser</a:t>
+            </a:r>
+            <a:r>
+              <a:rPr lang="zh-CN" altLang="zh-CN" sz="1200" kern="1200" dirty="0" smtClean="0">
+                <a:solidFill>
+                  <a:schemeClr val="tx1"/>
+                </a:solidFill>
+                <a:effectLst/>
+                <a:latin typeface="+mn-lt"/>
+                <a:ea typeface="+mn-ea"/>
+                <a:cs typeface="+mn-cs"/>
+              </a:rPr>
+              <a:t>的</a:t>
+            </a:r>
+            <a:r>
+              <a:rPr lang="en-US" altLang="zh-CN" sz="1200" kern="1200" dirty="0" smtClean="0">
+                <a:solidFill>
+                  <a:schemeClr val="tx1"/>
+                </a:solidFill>
+                <a:effectLst/>
+                <a:latin typeface="+mn-lt"/>
+                <a:ea typeface="+mn-ea"/>
+                <a:cs typeface="+mn-cs"/>
+              </a:rPr>
+              <a:t>log</a:t>
+            </a:r>
+            <a:r>
+              <a:rPr lang="zh-CN" altLang="zh-CN" sz="1200" kern="1200" dirty="0" smtClean="0">
+                <a:solidFill>
+                  <a:schemeClr val="tx1"/>
+                </a:solidFill>
+                <a:effectLst/>
+                <a:latin typeface="+mn-lt"/>
+                <a:ea typeface="+mn-ea"/>
+                <a:cs typeface="+mn-cs"/>
+              </a:rPr>
+              <a:t>和发送到</a:t>
+            </a:r>
+            <a:r>
+              <a:rPr lang="en-US" altLang="zh-CN" sz="1200" kern="1200" dirty="0" smtClean="0">
+                <a:solidFill>
+                  <a:schemeClr val="tx1"/>
+                </a:solidFill>
+                <a:effectLst/>
+                <a:latin typeface="+mn-lt"/>
+                <a:ea typeface="+mn-ea"/>
+                <a:cs typeface="+mn-cs"/>
+              </a:rPr>
+              <a:t>controller</a:t>
+            </a:r>
+            <a:r>
+              <a:rPr lang="zh-CN" altLang="zh-CN" sz="1200" kern="1200" dirty="0" smtClean="0">
+                <a:solidFill>
+                  <a:schemeClr val="tx1"/>
+                </a:solidFill>
+                <a:effectLst/>
+                <a:latin typeface="+mn-lt"/>
+                <a:ea typeface="+mn-ea"/>
+                <a:cs typeface="+mn-cs"/>
+              </a:rPr>
+              <a:t>里面，也就是说如果你在有很多压力客户 机，它们会把信息除了记录在本地的</a:t>
+            </a:r>
+            <a:r>
+              <a:rPr lang="en-US" altLang="zh-CN" sz="1200" kern="1200" dirty="0" err="1" smtClean="0">
+                <a:solidFill>
+                  <a:schemeClr val="tx1"/>
+                </a:solidFill>
+                <a:effectLst/>
+                <a:latin typeface="+mn-lt"/>
+                <a:ea typeface="+mn-ea"/>
+                <a:cs typeface="+mn-cs"/>
+              </a:rPr>
+              <a:t>vuser</a:t>
+            </a:r>
+            <a:r>
+              <a:rPr lang="zh-CN" altLang="zh-CN" sz="1200" kern="1200" dirty="0" smtClean="0">
+                <a:solidFill>
+                  <a:schemeClr val="tx1"/>
+                </a:solidFill>
+                <a:effectLst/>
+                <a:latin typeface="+mn-lt"/>
+                <a:ea typeface="+mn-ea"/>
+                <a:cs typeface="+mn-cs"/>
+              </a:rPr>
+              <a:t>之外，还要发送到远端的</a:t>
+            </a:r>
+            <a:r>
+              <a:rPr lang="en-US" altLang="zh-CN" sz="1200" kern="1200" dirty="0" smtClean="0">
+                <a:solidFill>
+                  <a:schemeClr val="tx1"/>
+                </a:solidFill>
+                <a:effectLst/>
+                <a:latin typeface="+mn-lt"/>
+                <a:ea typeface="+mn-ea"/>
+                <a:cs typeface="+mn-cs"/>
+              </a:rPr>
+              <a:t>controller</a:t>
+            </a:r>
+            <a:r>
+              <a:rPr lang="zh-CN" altLang="zh-CN" sz="1200" kern="1200" dirty="0" smtClean="0">
+                <a:solidFill>
+                  <a:schemeClr val="tx1"/>
+                </a:solidFill>
+                <a:effectLst/>
+                <a:latin typeface="+mn-lt"/>
+                <a:ea typeface="+mn-ea"/>
+                <a:cs typeface="+mn-cs"/>
+              </a:rPr>
+              <a:t>中，这会浪费大量的网络带宽和</a:t>
+            </a:r>
+            <a:r>
+              <a:rPr lang="en-US" altLang="zh-CN" sz="1200" kern="1200" dirty="0" smtClean="0">
+                <a:solidFill>
+                  <a:schemeClr val="tx1"/>
+                </a:solidFill>
+                <a:effectLst/>
+                <a:latin typeface="+mn-lt"/>
+                <a:ea typeface="+mn-ea"/>
+                <a:cs typeface="+mn-cs"/>
+              </a:rPr>
+              <a:t>controller</a:t>
+            </a:r>
+            <a:r>
+              <a:rPr lang="zh-CN" altLang="zh-CN" sz="1200" kern="1200" dirty="0" smtClean="0">
+                <a:solidFill>
+                  <a:schemeClr val="tx1"/>
+                </a:solidFill>
+                <a:effectLst/>
+                <a:latin typeface="+mn-lt"/>
+                <a:ea typeface="+mn-ea"/>
+                <a:cs typeface="+mn-cs"/>
+              </a:rPr>
+              <a:t>的资 源，</a:t>
+            </a:r>
+            <a:r>
+              <a:rPr lang="en-US" altLang="zh-CN" sz="1200" kern="1200" dirty="0" err="1" smtClean="0">
+                <a:solidFill>
+                  <a:schemeClr val="tx1"/>
+                </a:solidFill>
+                <a:effectLst/>
+                <a:latin typeface="+mn-lt"/>
+                <a:ea typeface="+mn-ea"/>
+                <a:cs typeface="+mn-cs"/>
+              </a:rPr>
+              <a:t>lr_output_message</a:t>
+            </a:r>
+            <a:r>
+              <a:rPr lang="zh-CN" altLang="zh-CN" sz="1200" kern="1200" dirty="0" smtClean="0">
+                <a:solidFill>
+                  <a:schemeClr val="tx1"/>
+                </a:solidFill>
+                <a:effectLst/>
+                <a:latin typeface="+mn-lt"/>
+                <a:ea typeface="+mn-ea"/>
+                <a:cs typeface="+mn-cs"/>
+              </a:rPr>
+              <a:t>多了一个输出信息语句在脚本中的位置。</a:t>
+            </a:r>
+            <a:r>
+              <a:rPr lang="en-US" altLang="zh-CN" sz="1200" kern="1200" dirty="0" smtClean="0">
+                <a:solidFill>
+                  <a:schemeClr val="tx1"/>
+                </a:solidFill>
+                <a:effectLst/>
+                <a:latin typeface="+mn-lt"/>
+                <a:ea typeface="+mn-ea"/>
+                <a:cs typeface="+mn-cs"/>
+              </a:rPr>
+              <a:t/>
+            </a:r>
+            <a:br>
+              <a:rPr lang="en-US" altLang="zh-CN" sz="1200" kern="1200" dirty="0" smtClean="0">
+                <a:solidFill>
+                  <a:schemeClr val="tx1"/>
+                </a:solidFill>
+                <a:effectLst/>
+                <a:latin typeface="+mn-lt"/>
+                <a:ea typeface="+mn-ea"/>
+                <a:cs typeface="+mn-cs"/>
+              </a:rPr>
+            </a:br>
             <a:endParaRPr lang="zh-CN" altLang="en-US" dirty="0"/>
           </a:p>
         </p:txBody>
@@ -642,7 +1163,7 @@
             <a:fld id="{83060E57-2597-4886-99DA-3D12E33994EF}" type="slidenum">
               <a:rPr lang="en-US" altLang="ko-KR" smtClean="0"/>
               <a:pPr/>
-              <a:t>11</a:t>
+              <a:t>10</a:t>
             </a:fld>
             <a:endParaRPr lang="en-US" altLang="ko-KR" dirty="0"/>
           </a:p>
@@ -707,47 +1228,6 @@
           </a:bodyPr>
           <a:lstStyle/>
           <a:p>
-            <a:r>
-              <a:rPr lang="zh-CN" altLang="en-US" dirty="0" smtClean="0">
-                <a:solidFill>
-                  <a:srgbClr val="FF0000"/>
-                </a:solidFill>
-              </a:rPr>
-              <a:t>多线程环境的主要优势是每个负载生成器都能运行多个 </a:t>
-            </a:r>
-            <a:r>
-              <a:rPr lang="en-US" altLang="zh-CN" dirty="0" err="1" smtClean="0">
-                <a:solidFill>
-                  <a:srgbClr val="FF0000"/>
-                </a:solidFill>
-              </a:rPr>
-              <a:t>Vuser</a:t>
-            </a:r>
-            <a:r>
-              <a:rPr lang="zh-CN" altLang="en-US" dirty="0" smtClean="0">
-                <a:solidFill>
-                  <a:srgbClr val="FF0000"/>
-                </a:solidFill>
-              </a:rPr>
-              <a:t>。</a:t>
-            </a:r>
-            <a:endParaRPr lang="en-US" altLang="zh-CN" dirty="0" smtClean="0">
-              <a:solidFill>
-                <a:srgbClr val="FF0000"/>
-              </a:solidFill>
-            </a:endParaRPr>
-          </a:p>
-          <a:p>
-            <a:r>
-              <a:rPr lang="zh-CN" altLang="en-US" dirty="0" smtClean="0">
-                <a:solidFill>
-                  <a:srgbClr val="FF0000"/>
-                </a:solidFill>
-              </a:rPr>
-              <a:t>禁用了自动事务，仍可以在录制期间和录制之后手动插入事务。</a:t>
-            </a:r>
-          </a:p>
-          <a:p>
             <a:endParaRPr lang="zh-CN" altLang="en-US" dirty="0"/>
           </a:p>
         </p:txBody>
@@ -770,7 +1250,7 @@
             <a:fld id="{83060E57-2597-4886-99DA-3D12E33994EF}" type="slidenum">
               <a:rPr lang="en-US" altLang="ko-KR" smtClean="0"/>
               <a:pPr/>
-              <a:t>12</a:t>
+              <a:t>11</a:t>
             </a:fld>
             <a:endParaRPr lang="en-US" altLang="ko-KR" dirty="0"/>
           </a:p>
@@ -841,7 +1321,23 @@
                   <a:srgbClr val="FF0000"/>
                 </a:solidFill>
               </a:rPr>
-              <a:t>网络运行时设置：要模拟网络上的速度，可为优化或测试环境设置调制解调器仿真</a:t>
+              <a:t>多线程环境的主要优势是每个负载生成器都能运行多个 </a:t>
+            </a:r>
+            <a:r>
+              <a:rPr lang="en-US" altLang="zh-CN" dirty="0" err="1" smtClean="0">
+                <a:solidFill>
+                  <a:srgbClr val="FF0000"/>
+                </a:solidFill>
+              </a:rPr>
+              <a:t>Vuser</a:t>
+            </a:r>
+            <a:r>
+              <a:rPr lang="zh-CN" altLang="en-US" dirty="0" smtClean="0">
+                <a:solidFill>
+                  <a:srgbClr val="FF0000"/>
+                </a:solidFill>
+              </a:rPr>
+              <a:t>。</a:t>
             </a:r>
             <a:endParaRPr lang="en-US" altLang="zh-CN" dirty="0" smtClean="0">
               <a:solidFill>
@@ -856,7 +1352,7 @@
                   <a:srgbClr val="FF0000"/>
                 </a:solidFill>
               </a:rPr>
-              <a:t>响应时间更加真实模拟</a:t>
+              <a:t>禁用了自动事务，仍可以在录制期间和录制之后手动插入事务。</a:t>
             </a:r>
           </a:p>
           <a:p>
@@ -882,7 +1378,7 @@
             <a:fld id="{83060E57-2597-4886-99DA-3D12E33994EF}" type="slidenum">
               <a:rPr lang="en-US" altLang="ko-KR" smtClean="0"/>
               <a:pPr/>
-              <a:t>13</a:t>
+              <a:t>12</a:t>
             </a:fld>
             <a:endParaRPr lang="en-US" altLang="ko-KR" dirty="0"/>
           </a:p>
@@ -947,30 +1443,13 @@
           </a:bodyPr>
           <a:lstStyle/>
           <a:p>
-            <a:pPr marL="0" marR="0" indent="0" algn="l" defTabSz="914400" rtl="0" eaLnBrk="0" fontAlgn="base" latinLnBrk="0" hangingPunct="0">
-              <a:lnSpc>
-                <a:spcPct val="100000"/>
-              </a:lnSpc>
-              <a:spcBef>
-                <a:spcPct val="30000"/>
-              </a:spcBef>
-              <a:spcAft>
-                <a:spcPct val="0"/>
-              </a:spcAft>
-              <a:buClrTx/>
-              <a:buSzTx/>
-              <a:buFontTx/>
-              <a:buNone/>
-              <a:tabLst/>
-              <a:defRPr/>
-            </a:pPr>
             <a:r>
               <a:rPr lang="zh-CN" altLang="en-US" dirty="0" smtClean="0">
                 <a:solidFill>
                   <a:srgbClr val="FF0000"/>
                 </a:solidFill>
               </a:rPr>
-              <a:t>浏览器运行时设置：可以设置优化或测试环境的浏览器属性，模拟浏览器缓存</a:t>
+              <a:t>网络运行时设置：要模拟网络上的速度，可为优化或测试环境设置调制解调器仿真</a:t>
             </a:r>
             <a:endParaRPr lang="en-US" altLang="zh-CN" dirty="0" smtClean="0">
               <a:solidFill>
@@ -979,57 +1458,17 @@
             </a:endParaRPr>
           </a:p>
           <a:p>
-            <a:pPr marL="0" marR="0" indent="0" algn="l" defTabSz="914400" rtl="0" eaLnBrk="0" fontAlgn="base" latinLnBrk="0" hangingPunct="0">
-              <a:lnSpc>
-                <a:spcPct val="100000"/>
-              </a:lnSpc>
-              <a:spcBef>
-                <a:spcPct val="30000"/>
-              </a:spcBef>
-              <a:spcAft>
-                <a:spcPct val="0"/>
-              </a:spcAft>
-              <a:buClrTx/>
-              <a:buSzTx/>
-              <a:buFontTx/>
-              <a:buNone/>
-              <a:tabLst/>
-              <a:defRPr/>
-            </a:pPr>
             <a:r>
               <a:rPr lang="zh-CN" altLang="en-US" dirty="0" smtClean="0">
                 <a:solidFill>
                   <a:srgbClr val="FF0000"/>
                 </a:solidFill>
               </a:rPr>
-              <a:t>关闭</a:t>
-            </a:r>
-            <a:r>
-              <a:rPr lang="en-US" altLang="zh-CN" dirty="0" smtClean="0">
-                <a:solidFill>
-                  <a:srgbClr val="FF0000"/>
-                </a:solidFill>
-              </a:rPr>
-              <a:t>HTTP</a:t>
-            </a:r>
-            <a:r>
-              <a:rPr lang="zh-CN" altLang="en-US" dirty="0" smtClean="0">
-                <a:solidFill>
-                  <a:srgbClr val="FF0000"/>
-                </a:solidFill>
-              </a:rPr>
-              <a:t>链接，清除缓存</a:t>
-            </a:r>
-          </a:p>
-          <a:p>
-            <a:endParaRPr lang="en-US" altLang="zh-CN" sz="1200" kern="1200" dirty="0" smtClean="0">
-              <a:solidFill>
-                <a:schemeClr val="tx1"/>
-              </a:solidFill>
-              <a:latin typeface="Arial" charset="0"/>
-              <a:ea typeface="+mn-ea"/>
-              <a:cs typeface="+mn-cs"/>
-            </a:endParaRPr>
+              <a:t>响应时间更加真实模拟</a:t>
+            </a:r>
+          </a:p>
+          <a:p>
+            <a:endParaRPr lang="zh-CN" altLang="en-US" dirty="0"/>
           </a:p>
         </p:txBody>
       </p:sp>
@@ -1051,7 +1490,7 @@
             <a:fld id="{83060E57-2597-4886-99DA-3D12E33994EF}" type="slidenum">
               <a:rPr lang="en-US" altLang="ko-KR" smtClean="0"/>
               <a:pPr/>
-              <a:t>14</a:t>
+              <a:t>13</a:t>
             </a:fld>
             <a:endParaRPr lang="en-US" altLang="ko-KR" dirty="0"/>
           </a:p>
@@ -1116,7 +1555,89 @@
           </a:bodyPr>
           <a:lstStyle/>
           <a:p>
-            <a:endParaRPr lang="zh-CN" altLang="en-US" dirty="0"/>
+            <a:pPr marL="0" marR="0" indent="0" algn="l" defTabSz="914400" rtl="0" eaLnBrk="0" fontAlgn="base" latinLnBrk="0" hangingPunct="0">
+              <a:lnSpc>
+                <a:spcPct val="100000"/>
+              </a:lnSpc>
+              <a:spcBef>
+                <a:spcPct val="30000"/>
+              </a:spcBef>
+              <a:spcAft>
+                <a:spcPct val="0"/>
+              </a:spcAft>
+              <a:buClrTx/>
+              <a:buSzTx/>
+              <a:buFontTx/>
+              <a:buNone/>
+              <a:tabLst/>
+              <a:defRPr/>
+            </a:pPr>
+            <a:r>
+              <a:rPr lang="zh-CN" altLang="en-US" dirty="0" smtClean="0">
+                <a:solidFill>
+                  <a:srgbClr val="FF0000"/>
+                </a:solidFill>
+              </a:rPr>
+              <a:t>浏览器运行时设置：可以设置优化或测试环境的浏览器属性，模拟浏览器缓存</a:t>
+            </a:r>
+            <a:endParaRPr lang="en-US" altLang="zh-CN" dirty="0" smtClean="0">
+              <a:solidFill>
+                <a:srgbClr val="FF0000"/>
+              </a:solidFill>
+            </a:endParaRPr>
+          </a:p>
+          <a:p>
+            <a:pPr marL="0" marR="0" indent="0" algn="l" defTabSz="914400" rtl="0" eaLnBrk="0" fontAlgn="base" latinLnBrk="0" hangingPunct="0">
+              <a:lnSpc>
+                <a:spcPct val="100000"/>
+              </a:lnSpc>
+              <a:spcBef>
+                <a:spcPct val="30000"/>
+              </a:spcBef>
+              <a:spcAft>
+                <a:spcPct val="0"/>
+              </a:spcAft>
+              <a:buClrTx/>
+              <a:buSzTx/>
+              <a:buFontTx/>
+              <a:buNone/>
+              <a:tabLst/>
+              <a:defRPr/>
+            </a:pPr>
+            <a:r>
+              <a:rPr lang="zh-CN" altLang="en-US" dirty="0" smtClean="0">
+                <a:solidFill>
+                  <a:srgbClr val="FF0000"/>
+                </a:solidFill>
+              </a:rPr>
+              <a:t>关闭</a:t>
+            </a:r>
+            <a:r>
+              <a:rPr lang="en-US" altLang="zh-CN" dirty="0" smtClean="0">
+                <a:solidFill>
+                  <a:srgbClr val="FF0000"/>
+                </a:solidFill>
+              </a:rPr>
+              <a:t>HTTP</a:t>
+            </a:r>
+            <a:r>
+              <a:rPr lang="zh-CN" altLang="en-US" dirty="0" smtClean="0">
+                <a:solidFill>
+                  <a:srgbClr val="FF0000"/>
+                </a:solidFill>
+              </a:rPr>
+              <a:t>链接，清除缓存</a:t>
+            </a:r>
+          </a:p>
+          <a:p>
+            <a:endParaRPr lang="en-US" altLang="zh-CN" sz="1200" kern="1200" dirty="0" smtClean="0">
+              <a:solidFill>
+                <a:schemeClr val="tx1"/>
+              </a:solidFill>
+              <a:latin typeface="Arial" charset="0"/>
+              <a:ea typeface="+mn-ea"/>
+              <a:cs typeface="+mn-cs"/>
+            </a:endParaRPr>
           </a:p>
         </p:txBody>
       </p:sp>
@@ -1138,7 +1659,7 @@
             <a:fld id="{83060E57-2597-4886-99DA-3D12E33994EF}" type="slidenum">
               <a:rPr lang="en-US" altLang="ko-KR" smtClean="0"/>
               <a:pPr/>
-              <a:t>15</a:t>
+              <a:t>14</a:t>
             </a:fld>
             <a:endParaRPr lang="en-US" altLang="ko-KR" dirty="0"/>
           </a:p>
@@ -1203,6 +1724,93 @@
           </a:bodyPr>
           <a:lstStyle/>
           <a:p>
+            <a:endParaRPr lang="zh-CN" altLang="en-US" dirty="0"/>
+          </a:p>
+        </p:txBody>
+      </p:sp>
+      <p:sp>
+        <p:nvSpPr>
+          <p:cNvPr id="4" name="灯片编号占位符 3"/>
+          <p:cNvSpPr>
+            <a:spLocks noGrp="1"/>
+          </p:cNvSpPr>
+          <p:nvPr>
+            <p:ph type="sldNum" sz="quarter" idx="10"/>
+          </p:nvPr>
+        </p:nvSpPr>
+        <p:spPr/>
+        <p:txBody>
+          <a:bodyPr/>
+          <a:lstStyle/>
+          <a:p>
+            <a:fld id="{83060E57-2597-4886-99DA-3D12E33994EF}" type="slidenum">
+              <a:rPr lang="en-US" altLang="ko-KR" smtClean="0"/>
+              <a:pPr/>
+              <a:t>15</a:t>
+            </a:fld>
+            <a:endParaRPr lang="en-US" altLang="ko-KR" dirty="0"/>
+          </a:p>
+        </p:txBody>
+      </p:sp>
+    </p:spTree>
+  </p:cSld>
+  <p:clrMapOvr>
+    <a:masterClrMapping/>
+  </p:clrMapOvr>
+</p:notes>
+</file>
+
+<file path=ppt/notesSlides/notesSlide16.xml><?xml version="1.0" encoding="utf-8"?>
+<p:notes xmlns:a="http://schemas.openxmlformats.org/drawingml/2006/main" xmlns:r="http://schemas.openxmlformats.org/officeDocument/2006/relationships" xmlns:p="http://schemas.openxmlformats.org/presentationml/2006/main">
+  <p:cSld>
+    <p:spTree>
+      <p:nvGrpSpPr>
+        <p:cNvPr id="1" name=""/>
+        <p:cNvGrpSpPr/>
+        <p:nvPr/>
+      </p:nvGrpSpPr>
+      <p:grpSpPr>
+        <a:xfrm>
+          <a:off x="0" y="0"/>
+          <a:ext cx="0" cy="0"/>
+          <a:chOff x="0" y="0"/>
+          <a:chExt cx="0" cy="0"/>
+        </a:xfrm>
+      </p:grpSpPr>
+      <p:sp>
+        <p:nvSpPr>
+          <p:cNvPr id="2" name="幻灯片图像占位符 1"/>
+          <p:cNvSpPr>
+            <a:spLocks noGrp="1" noRot="1" noChangeAspect="1"/>
+          </p:cNvSpPr>
+          <p:nvPr>
+            <p:ph type="sldImg"/>
+          </p:nvPr>
+        </p:nvSpPr>
+        <p:spPr>
+          <a:xfrm>
+            <a:off x="381000" y="685800"/>
+            <a:ext cx="6096000" cy="3429000"/>
+          </a:xfrm>
+        </p:spPr>
+      </p:sp>
+      <p:sp>
+        <p:nvSpPr>
+          <p:cNvPr id="3" name="备注占位符 2"/>
+          <p:cNvSpPr>
+            <a:spLocks noGrp="1"/>
+          </p:cNvSpPr>
+          <p:nvPr>
+            <p:ph type="body" idx="1"/>
+          </p:nvPr>
+        </p:nvSpPr>
+        <p:spPr/>
+        <p:txBody>
+          <a:bodyPr>
+            <a:normAutofit/>
+          </a:bodyPr>
+          <a:lstStyle/>
+          <a:p>
             <a:r>
               <a:rPr lang="zh-CN" altLang="en-US" smtClean="0"/>
               <a:t>提示报告保存的目录名？</a:t>
@@ -1294,11 +1902,13 @@
         </p:nvSpPr>
         <p:spPr/>
         <p:txBody>
-          <a:bodyPr>
-            <a:normAutofit/>
-          </a:bodyPr>
+          <a:bodyPr/>
           <a:lstStyle/>
           <a:p>
+            <a:r>
+              <a:rPr lang="zh-CN" altLang="en-US" dirty="0" smtClean="0"/>
+              <a:t>拔高、总结、思考的过程</a:t>
+            </a:r>
             <a:endParaRPr lang="zh-CN" altLang="en-US" dirty="0"/>
           </a:p>
         </p:txBody>
@@ -1318,16 +1928,20 @@
           <a:bodyPr/>
           <a:lstStyle/>
           <a:p>
-            <a:fld id="{83060E57-2597-4886-99DA-3D12E33994EF}" type="slidenum">
-              <a:rPr lang="en-US" altLang="ko-KR" smtClean="0"/>
-              <a:pPr/>
-              <a:t>3</a:t>
+            <a:fld id="{492130AA-67D2-4DB7-A4EE-A3ADA8CA71A6}" type="slidenum">
+              <a:rPr lang="zh-CN" altLang="en-US" smtClean="0"/>
+              <a:t>2</a:t>
             </a:fld>
-            <a:endParaRPr lang="en-US" altLang="ko-KR" dirty="0"/>
+            <a:endParaRPr lang="zh-CN" altLang="en-US"/>
           </a:p>
         </p:txBody>
       </p:sp>
     </p:spTree>
+    <p:extLst>
+      <p:ext uri="{BB962C8B-B14F-4D97-AF65-F5344CB8AC3E}">
+        <p14:creationId xmlns:p14="http://schemas.microsoft.com/office/powerpoint/2010/main" val="3831952153"/>
+      </p:ext>
+    </p:extLst>
   </p:cSld>
   <p:clrMapOvr>
     <a:masterClrMapping/>
@@ -1386,7 +2000,7 @@
           </a:bodyPr>
           <a:lstStyle/>
           <a:p>
-            <a:endParaRPr lang="zh-CN" altLang="en-US"/>
+            <a:endParaRPr lang="zh-CN" altLang="en-US" dirty="0"/>
           </a:p>
         </p:txBody>
       </p:sp>
@@ -1408,7 +2022,7 @@
             <a:fld id="{83060E57-2597-4886-99DA-3D12E33994EF}" type="slidenum">
               <a:rPr lang="en-US" altLang="ko-KR" smtClean="0"/>
               <a:pPr/>
-              <a:t>4</a:t>
+              <a:t>3</a:t>
             </a:fld>
             <a:endParaRPr lang="en-US" altLang="ko-KR" dirty="0"/>
           </a:p>
@@ -1473,93 +2087,7 @@
           </a:bodyPr>
           <a:lstStyle/>
           <a:p>
-            <a:pPr marL="0" marR="0" indent="0" algn="l" defTabSz="914400" rtl="0" eaLnBrk="0" fontAlgn="base" latinLnBrk="0" hangingPunct="0">
-              <a:lnSpc>
-                <a:spcPct val="100000"/>
-              </a:lnSpc>
-              <a:spcBef>
-                <a:spcPct val="30000"/>
-              </a:spcBef>
-              <a:spcAft>
-                <a:spcPct val="0"/>
-              </a:spcAft>
-              <a:buClrTx/>
-              <a:buSzTx/>
-              <a:buFontTx/>
-              <a:buNone/>
-              <a:tabLst/>
-              <a:defRPr/>
-            </a:pPr>
-            <a:r>
-              <a:rPr lang="en-US" altLang="zh-CN" sz="1200" dirty="0" smtClean="0">
-                <a:solidFill>
-                  <a:srgbClr val="FF0000"/>
-                </a:solidFill>
-                <a:latin typeface="黑体" pitchFamily="49" charset="-122"/>
-                <a:ea typeface="黑体" pitchFamily="49" charset="-122"/>
-              </a:rPr>
-              <a:t>Block</a:t>
-            </a:r>
-            <a:r>
-              <a:rPr lang="zh-CN" altLang="zh-CN" sz="1200" dirty="0" smtClean="0">
-                <a:solidFill>
-                  <a:srgbClr val="FF0000"/>
-                </a:solidFill>
-                <a:latin typeface="黑体" pitchFamily="49" charset="-122"/>
-                <a:ea typeface="黑体" pitchFamily="49" charset="-122"/>
-              </a:rPr>
-              <a:t>：操作块，即脚本内的操作组。可将脚本中的某些操作存放于不同的</a:t>
-            </a:r>
-            <a:r>
-              <a:rPr lang="en-US" altLang="zh-CN" sz="1200" dirty="0" smtClean="0">
-                <a:solidFill>
-                  <a:srgbClr val="FF0000"/>
-                </a:solidFill>
-                <a:latin typeface="黑体" pitchFamily="49" charset="-122"/>
-                <a:ea typeface="黑体" pitchFamily="49" charset="-122"/>
-              </a:rPr>
-              <a:t>Block</a:t>
-            </a:r>
-            <a:r>
-              <a:rPr lang="zh-CN" altLang="zh-CN" sz="1200" dirty="0" smtClean="0">
-                <a:solidFill>
-                  <a:srgbClr val="FF0000"/>
-                </a:solidFill>
-                <a:latin typeface="黑体" pitchFamily="49" charset="-122"/>
-                <a:ea typeface="黑体" pitchFamily="49" charset="-122"/>
-              </a:rPr>
-              <a:t>中，并可单独设置每个</a:t>
-            </a:r>
-            <a:r>
-              <a:rPr lang="en-US" altLang="zh-CN" sz="1200" dirty="0" smtClean="0">
-                <a:solidFill>
-                  <a:srgbClr val="FF0000"/>
-                </a:solidFill>
-                <a:latin typeface="黑体" pitchFamily="49" charset="-122"/>
-                <a:ea typeface="黑体" pitchFamily="49" charset="-122"/>
-              </a:rPr>
-              <a:t>Block</a:t>
-            </a:r>
-            <a:r>
-              <a:rPr lang="zh-CN" altLang="zh-CN" sz="1200" dirty="0" smtClean="0">
-                <a:solidFill>
-                  <a:srgbClr val="FF0000"/>
-                </a:solidFill>
-                <a:latin typeface="黑体" pitchFamily="49" charset="-122"/>
-                <a:ea typeface="黑体" pitchFamily="49" charset="-122"/>
-              </a:rPr>
-              <a:t>的属性，例如块执行的顺序、迭代次数及权重。 </a:t>
-            </a:r>
-            <a:endParaRPr lang="zh-CN" altLang="en-US" sz="1200" dirty="0" smtClean="0">
-              <a:solidFill>
-                <a:srgbClr val="FF0000"/>
-              </a:solidFill>
-              <a:latin typeface="黑体" pitchFamily="49" charset="-122"/>
-              <a:ea typeface="黑体" pitchFamily="49" charset="-122"/>
-            </a:endParaRPr>
-          </a:p>
-          <a:p>
-            <a:endParaRPr lang="zh-CN" altLang="en-US" dirty="0"/>
+            <a:endParaRPr lang="zh-CN" altLang="en-US"/>
           </a:p>
         </p:txBody>
       </p:sp>
@@ -1581,7 +2109,7 @@
             <a:fld id="{83060E57-2597-4886-99DA-3D12E33994EF}" type="slidenum">
               <a:rPr lang="en-US" altLang="ko-KR" smtClean="0"/>
               <a:pPr/>
-              <a:t>5</a:t>
+              <a:t>4</a:t>
             </a:fld>
             <a:endParaRPr lang="en-US" altLang="ko-KR" dirty="0"/>
           </a:p>
@@ -1646,6 +2174,92 @@
           </a:bodyPr>
           <a:lstStyle/>
           <a:p>
+            <a:pPr marL="0" marR="0" indent="0" algn="l" defTabSz="914400" rtl="0" eaLnBrk="0" fontAlgn="base" latinLnBrk="0" hangingPunct="0">
+              <a:lnSpc>
+                <a:spcPct val="100000"/>
+              </a:lnSpc>
+              <a:spcBef>
+                <a:spcPct val="30000"/>
+              </a:spcBef>
+              <a:spcAft>
+                <a:spcPct val="0"/>
+              </a:spcAft>
+              <a:buClrTx/>
+              <a:buSzTx/>
+              <a:buFontTx/>
+              <a:buNone/>
+              <a:tabLst/>
+              <a:defRPr/>
+            </a:pPr>
+            <a:r>
+              <a:rPr lang="en-US" altLang="zh-CN" sz="1200" dirty="0" smtClean="0">
+                <a:solidFill>
+                  <a:srgbClr val="FF0000"/>
+                </a:solidFill>
+                <a:latin typeface="黑体" pitchFamily="49" charset="-122"/>
+                <a:ea typeface="黑体" pitchFamily="49" charset="-122"/>
+              </a:rPr>
+              <a:t>Block</a:t>
+            </a:r>
+            <a:r>
+              <a:rPr lang="zh-CN" altLang="zh-CN" sz="1200" dirty="0" smtClean="0">
+                <a:solidFill>
+                  <a:srgbClr val="FF0000"/>
+                </a:solidFill>
+                <a:latin typeface="黑体" pitchFamily="49" charset="-122"/>
+                <a:ea typeface="黑体" pitchFamily="49" charset="-122"/>
+              </a:rPr>
+              <a:t>：操作块，即脚本内的操作组。可将脚本中的某些操作存放于不同的</a:t>
+            </a:r>
+            <a:r>
+              <a:rPr lang="en-US" altLang="zh-CN" sz="1200" dirty="0" smtClean="0">
+                <a:solidFill>
+                  <a:srgbClr val="FF0000"/>
+                </a:solidFill>
+                <a:latin typeface="黑体" pitchFamily="49" charset="-122"/>
+                <a:ea typeface="黑体" pitchFamily="49" charset="-122"/>
+              </a:rPr>
+              <a:t>Block</a:t>
+            </a:r>
+            <a:r>
+              <a:rPr lang="zh-CN" altLang="zh-CN" sz="1200" dirty="0" smtClean="0">
+                <a:solidFill>
+                  <a:srgbClr val="FF0000"/>
+                </a:solidFill>
+                <a:latin typeface="黑体" pitchFamily="49" charset="-122"/>
+                <a:ea typeface="黑体" pitchFamily="49" charset="-122"/>
+              </a:rPr>
+              <a:t>中，并可单独设置每个</a:t>
+            </a:r>
+            <a:r>
+              <a:rPr lang="en-US" altLang="zh-CN" sz="1200" dirty="0" smtClean="0">
+                <a:solidFill>
+                  <a:srgbClr val="FF0000"/>
+                </a:solidFill>
+                <a:latin typeface="黑体" pitchFamily="49" charset="-122"/>
+                <a:ea typeface="黑体" pitchFamily="49" charset="-122"/>
+              </a:rPr>
+              <a:t>Block</a:t>
+            </a:r>
+            <a:r>
+              <a:rPr lang="zh-CN" altLang="zh-CN" sz="1200" dirty="0" smtClean="0">
+                <a:solidFill>
+                  <a:srgbClr val="FF0000"/>
+                </a:solidFill>
+                <a:latin typeface="黑体" pitchFamily="49" charset="-122"/>
+                <a:ea typeface="黑体" pitchFamily="49" charset="-122"/>
+              </a:rPr>
+              <a:t>的属性，例如块执行的顺序、迭代次数及权重。 </a:t>
+            </a:r>
+            <a:endParaRPr lang="zh-CN" altLang="en-US" sz="1200" dirty="0" smtClean="0">
+              <a:solidFill>
+                <a:srgbClr val="FF0000"/>
+              </a:solidFill>
+              <a:latin typeface="黑体" pitchFamily="49" charset="-122"/>
+              <a:ea typeface="黑体" pitchFamily="49" charset="-122"/>
+            </a:endParaRPr>
+          </a:p>
+          <a:p>
             <a:endParaRPr lang="zh-CN" altLang="en-US" dirty="0"/>
           </a:p>
         </p:txBody>
@@ -1668,7 +2282,7 @@
             <a:fld id="{83060E57-2597-4886-99DA-3D12E33994EF}" type="slidenum">
               <a:rPr lang="en-US" altLang="ko-KR" smtClean="0"/>
               <a:pPr/>
-              <a:t>6</a:t>
+              <a:t>5</a:t>
             </a:fld>
             <a:endParaRPr lang="en-US" altLang="ko-KR" dirty="0"/>
           </a:p>
@@ -1755,7 +2369,7 @@
             <a:fld id="{83060E57-2597-4886-99DA-3D12E33994EF}" type="slidenum">
               <a:rPr lang="en-US" altLang="ko-KR" smtClean="0"/>
               <a:pPr/>
-              <a:t>7</a:t>
+              <a:t>6</a:t>
             </a:fld>
             <a:endParaRPr lang="en-US" altLang="ko-KR" dirty="0"/>
           </a:p>
@@ -1820,239 +2434,6 @@
           </a:bodyPr>
           <a:lstStyle/>
           <a:p>
-            <a:pPr marL="0" marR="0" lvl="0" indent="0" algn="l" defTabSz="914400" rtl="0" eaLnBrk="1" fontAlgn="base" latinLnBrk="0" hangingPunct="1">
-              <a:lnSpc>
-                <a:spcPct val="100000"/>
-              </a:lnSpc>
-              <a:spcBef>
-                <a:spcPct val="0"/>
-              </a:spcBef>
-              <a:spcAft>
-                <a:spcPct val="0"/>
-              </a:spcAft>
-              <a:buClrTx/>
-              <a:buSzTx/>
-              <a:tabLst/>
-            </a:pPr>
-            <a:r>
-              <a:rPr kumimoji="0" lang="en-US" altLang="zh-CN" sz="1200" b="0" i="0" u="none" strike="noStrike" cap="none" normalizeH="0" baseline="0" dirty="0" smtClean="0">
-                <a:ln>
-                  <a:noFill/>
-                </a:ln>
-                <a:solidFill>
-                  <a:srgbClr val="FF0000"/>
-                </a:solidFill>
-                <a:effectLst/>
-                <a:latin typeface="Arial" charset="0"/>
-                <a:ea typeface="宋体" charset="-122"/>
-              </a:rPr>
-              <a:t>1</a:t>
-            </a:r>
-            <a:r>
-              <a:rPr kumimoji="0" lang="zh-CN" altLang="en-US" sz="1200" b="0" i="0" u="none" strike="noStrike" cap="none" normalizeH="0" baseline="0" dirty="0" smtClean="0">
-                <a:ln>
-                  <a:noFill/>
-                </a:ln>
-                <a:solidFill>
-                  <a:srgbClr val="FF0000"/>
-                </a:solidFill>
-                <a:effectLst/>
-                <a:latin typeface="Arial" charset="0"/>
-                <a:ea typeface="宋体" charset="-122"/>
-              </a:rPr>
-              <a:t>、</a:t>
-            </a:r>
-            <a:r>
-              <a:rPr kumimoji="0" lang="zh-CN" altLang="zh-CN" sz="1200" b="0" i="0" u="none" strike="noStrike" cap="none" normalizeH="0" baseline="0" dirty="0" smtClean="0">
-                <a:ln>
-                  <a:noFill/>
-                </a:ln>
-                <a:solidFill>
-                  <a:srgbClr val="FF0000"/>
-                </a:solidFill>
-                <a:effectLst/>
-                <a:latin typeface="Arial" charset="0"/>
-                <a:ea typeface="宋体" charset="-122"/>
-              </a:rPr>
-              <a:t>添加新操作块。</a:t>
-            </a:r>
-            <a:endParaRPr kumimoji="0" lang="en-US" altLang="zh-CN" sz="1200" b="0" i="0" u="none" strike="noStrike" cap="none" normalizeH="0" baseline="0" dirty="0" smtClean="0">
-              <a:ln>
-                <a:noFill/>
-              </a:ln>
-              <a:solidFill>
-                <a:srgbClr val="FF0000"/>
-              </a:solidFill>
-              <a:effectLst/>
-              <a:latin typeface="Arial" charset="0"/>
-              <a:ea typeface="宋体" charset="-122"/>
-            </a:endParaRPr>
-          </a:p>
-          <a:p>
-            <a:pPr lvl="0"/>
-            <a:r>
-              <a:rPr lang="en-US" altLang="zh-CN" sz="1200" dirty="0" smtClean="0">
-                <a:solidFill>
-                  <a:srgbClr val="FF0000"/>
-                </a:solidFill>
-              </a:rPr>
-              <a:t>2</a:t>
-            </a:r>
-            <a:r>
-              <a:rPr lang="zh-CN" altLang="en-US" sz="1200" dirty="0" smtClean="0">
-                <a:solidFill>
-                  <a:srgbClr val="FF0000"/>
-                </a:solidFill>
-              </a:rPr>
-              <a:t>、向块中添加操作。</a:t>
-            </a:r>
-            <a:endParaRPr lang="en-US" altLang="zh-CN" sz="1200" dirty="0" smtClean="0">
-              <a:solidFill>
-                <a:srgbClr val="FF0000"/>
-              </a:solidFill>
-            </a:endParaRPr>
-          </a:p>
-          <a:p>
-            <a:pPr lvl="0"/>
-            <a:r>
-              <a:rPr lang="en-US" altLang="zh-CN" sz="1200" dirty="0" smtClean="0">
-                <a:solidFill>
-                  <a:srgbClr val="FF0000"/>
-                </a:solidFill>
-              </a:rPr>
-              <a:t>3</a:t>
-            </a:r>
-            <a:r>
-              <a:rPr lang="zh-CN" altLang="en-US" sz="1200" dirty="0" smtClean="0">
-                <a:solidFill>
-                  <a:srgbClr val="FF0000"/>
-                </a:solidFill>
-              </a:rPr>
-              <a:t>、单击“属性”设置迭代次数和操作的运行逻辑。</a:t>
-            </a:r>
-            <a:endParaRPr lang="en-US" altLang="zh-CN" sz="1200" dirty="0" smtClean="0">
-              <a:solidFill>
-                <a:srgbClr val="FF0000"/>
-              </a:solidFill>
-            </a:endParaRPr>
-          </a:p>
-          <a:p>
-            <a:pPr lvl="0"/>
-            <a:r>
-              <a:rPr lang="en-US" altLang="zh-CN" sz="1200" dirty="0" smtClean="0">
-                <a:solidFill>
-                  <a:srgbClr val="FF0000"/>
-                </a:solidFill>
-              </a:rPr>
-              <a:t>4</a:t>
-            </a:r>
-            <a:r>
-              <a:rPr lang="zh-CN" altLang="en-US" sz="1200" dirty="0" smtClean="0">
-                <a:solidFill>
-                  <a:srgbClr val="FF0000"/>
-                </a:solidFill>
-              </a:rPr>
-              <a:t>、对于采用“随机”运行逻辑的块，请设置每个操作的权重。所有百分比的总和必须等于 </a:t>
-            </a:r>
-            <a:r>
-              <a:rPr lang="en-US" altLang="zh-CN" sz="1200" dirty="0" smtClean="0">
-                <a:solidFill>
-                  <a:srgbClr val="FF0000"/>
-                </a:solidFill>
-              </a:rPr>
-              <a:t>100</a:t>
-            </a:r>
-            <a:r>
-              <a:rPr lang="zh-CN" altLang="en-US" sz="1200" dirty="0" smtClean="0">
-                <a:solidFill>
-                  <a:srgbClr val="FF0000"/>
-                </a:solidFill>
-              </a:rPr>
-              <a:t>。</a:t>
-            </a:r>
-            <a:r>
-              <a:rPr kumimoji="0" lang="zh-CN" altLang="zh-CN" sz="1200" b="0" i="0" u="none" strike="noStrike" cap="none" normalizeH="0" baseline="0" dirty="0" smtClean="0">
-                <a:ln>
-                  <a:noFill/>
-                </a:ln>
-                <a:solidFill>
-                  <a:schemeClr val="tx1"/>
-                </a:solidFill>
-                <a:effectLst/>
-                <a:latin typeface="Arial" charset="0"/>
-                <a:ea typeface="宋体" charset="-122"/>
-              </a:rPr>
-              <a:t/>
-            </a:r>
-            <a:br>
-              <a:rPr kumimoji="0" lang="zh-CN" altLang="zh-CN" sz="1200" b="0" i="0" u="none" strike="noStrike" cap="none" normalizeH="0" baseline="0" dirty="0" smtClean="0">
-                <a:ln>
-                  <a:noFill/>
-                </a:ln>
-                <a:solidFill>
-                  <a:schemeClr val="tx1"/>
-                </a:solidFill>
-                <a:effectLst/>
-                <a:latin typeface="Arial" charset="0"/>
-                <a:ea typeface="宋体" charset="-122"/>
-              </a:rPr>
-            </a:br>
-            <a:endParaRPr kumimoji="0" lang="zh-CN" altLang="zh-CN" sz="1200" b="0" i="0" u="none" strike="noStrike" cap="none" normalizeH="0" baseline="0" dirty="0" smtClean="0">
-              <a:ln>
-                <a:noFill/>
-              </a:ln>
-              <a:solidFill>
-                <a:schemeClr val="tx1"/>
-              </a:solidFill>
-              <a:effectLst/>
-              <a:latin typeface="Arial" charset="0"/>
-              <a:ea typeface="宋体" charset="-122"/>
-            </a:endParaRPr>
-          </a:p>
-          <a:p>
-            <a:pPr marL="0" marR="0" lvl="1" indent="0" algn="l" defTabSz="914400" rtl="0" eaLnBrk="0" fontAlgn="base" latinLnBrk="0" hangingPunct="0">
-              <a:lnSpc>
-                <a:spcPct val="100000"/>
-              </a:lnSpc>
-              <a:spcBef>
-                <a:spcPct val="30000"/>
-              </a:spcBef>
-              <a:spcAft>
-                <a:spcPct val="0"/>
-              </a:spcAft>
-              <a:buClrTx/>
-              <a:buSzTx/>
-              <a:buFontTx/>
-              <a:buNone/>
-              <a:tabLst/>
-              <a:defRPr/>
-            </a:pPr>
-            <a:r>
-              <a:rPr lang="zh-CN" altLang="en-US" sz="1800" dirty="0" smtClean="0">
-                <a:solidFill>
-                  <a:schemeClr val="tx1"/>
-                </a:solidFill>
-              </a:rPr>
-              <a:t>迭代：除了设置整个 </a:t>
-            </a:r>
-            <a:r>
-              <a:rPr lang="en-US" altLang="zh-CN" sz="1800" dirty="0" smtClean="0">
-                <a:solidFill>
-                  <a:schemeClr val="tx1"/>
-                </a:solidFill>
-              </a:rPr>
-              <a:t>Run</a:t>
-            </a:r>
-            <a:r>
-              <a:rPr lang="zh-CN" altLang="en-US" sz="1800" dirty="0" smtClean="0">
-                <a:solidFill>
-                  <a:schemeClr val="tx1"/>
-                </a:solidFill>
-              </a:rPr>
-              <a:t> 部分的迭代次数外，还可以设置单个操作或操作块的迭代。该设置非常有用，例如，可以用来模拟一个商业站点，您在该站点执行了多次查询查找某个产品，但只进行了一次购买。</a:t>
-            </a:r>
-          </a:p>
-          <a:p>
             <a:endParaRPr lang="zh-CN" altLang="en-US" dirty="0"/>
           </a:p>
         </p:txBody>
@@ -2075,7 +2456,7 @@
             <a:fld id="{83060E57-2597-4886-99DA-3D12E33994EF}" type="slidenum">
               <a:rPr lang="en-US" altLang="ko-KR" smtClean="0"/>
               <a:pPr/>
-              <a:t>8</a:t>
+              <a:t>7</a:t>
             </a:fld>
             <a:endParaRPr lang="en-US" altLang="ko-KR" dirty="0"/>
           </a:p>
@@ -2140,13 +2521,91 @@
           </a:bodyPr>
           <a:lstStyle/>
           <a:p>
+            <a:pPr marL="0" marR="0" lvl="0" indent="0" algn="l" defTabSz="914400" rtl="0" eaLnBrk="1" fontAlgn="base" latinLnBrk="0" hangingPunct="1">
+              <a:lnSpc>
+                <a:spcPct val="100000"/>
+              </a:lnSpc>
+              <a:spcBef>
+                <a:spcPct val="0"/>
+              </a:spcBef>
+              <a:spcAft>
+                <a:spcPct val="0"/>
+              </a:spcAft>
+              <a:buClrTx/>
+              <a:buSzTx/>
+              <a:tabLst/>
+            </a:pPr>
+            <a:r>
+              <a:rPr kumimoji="0" lang="en-US" altLang="zh-CN" sz="1200" b="0" i="0" u="none" strike="noStrike" cap="none" normalizeH="0" baseline="0" dirty="0" smtClean="0">
+                <a:ln>
+                  <a:noFill/>
+                </a:ln>
+                <a:solidFill>
+                  <a:srgbClr val="FF0000"/>
+                </a:solidFill>
+                <a:effectLst/>
+                <a:latin typeface="Arial" charset="0"/>
+                <a:ea typeface="宋体" charset="-122"/>
+              </a:rPr>
+              <a:t>1</a:t>
+            </a:r>
+            <a:r>
+              <a:rPr kumimoji="0" lang="zh-CN" altLang="en-US" sz="1200" b="0" i="0" u="none" strike="noStrike" cap="none" normalizeH="0" baseline="0" dirty="0" smtClean="0">
+                <a:ln>
+                  <a:noFill/>
+                </a:ln>
+                <a:solidFill>
+                  <a:srgbClr val="FF0000"/>
+                </a:solidFill>
+                <a:effectLst/>
+                <a:latin typeface="Arial" charset="0"/>
+                <a:ea typeface="宋体" charset="-122"/>
+              </a:rPr>
+              <a:t>、</a:t>
+            </a:r>
+            <a:r>
+              <a:rPr kumimoji="0" lang="zh-CN" altLang="zh-CN" sz="1200" b="0" i="0" u="none" strike="noStrike" cap="none" normalizeH="0" baseline="0" dirty="0" smtClean="0">
+                <a:ln>
+                  <a:noFill/>
+                </a:ln>
+                <a:solidFill>
+                  <a:srgbClr val="FF0000"/>
+                </a:solidFill>
+                <a:effectLst/>
+                <a:latin typeface="Arial" charset="0"/>
+                <a:ea typeface="宋体" charset="-122"/>
+              </a:rPr>
+              <a:t>添加新操作块。</a:t>
+            </a:r>
+            <a:endParaRPr kumimoji="0" lang="en-US" altLang="zh-CN" sz="1200" b="0" i="0" u="none" strike="noStrike" cap="none" normalizeH="0" baseline="0" dirty="0" smtClean="0">
+              <a:ln>
+                <a:noFill/>
+              </a:ln>
+              <a:solidFill>
+                <a:srgbClr val="FF0000"/>
+              </a:solidFill>
+              <a:effectLst/>
+              <a:latin typeface="Arial" charset="0"/>
+              <a:ea typeface="宋体" charset="-122"/>
+            </a:endParaRPr>
+          </a:p>
+          <a:p>
+            <a:pPr lvl="0"/>
+            <a:r>
+              <a:rPr lang="en-US" altLang="zh-CN" sz="1200" dirty="0" smtClean="0">
+                <a:solidFill>
+                  <a:srgbClr val="FF0000"/>
+                </a:solidFill>
+              </a:rPr>
+              <a:t>2</a:t>
+            </a:r>
             <a:r>
               <a:rPr lang="zh-CN" altLang="en-US" sz="1200" dirty="0" smtClean="0">
                 <a:solidFill>
                   <a:srgbClr val="FF0000"/>
                 </a:solidFill>
               </a:rPr>
-              <a:t>迭代时间间隔</a:t>
+              <a:t>、向块中添加操作。</a:t>
             </a:r>
             <a:endParaRPr lang="en-US" altLang="zh-CN" sz="1200" dirty="0" smtClean="0">
               <a:solidFill>
@@ -2155,45 +2614,22 @@
             </a:endParaRPr>
           </a:p>
           <a:p>
+            <a:pPr lvl="0"/>
+            <a:r>
+              <a:rPr lang="en-US" altLang="zh-CN" sz="1200" dirty="0" smtClean="0">
+                <a:solidFill>
+                  <a:srgbClr val="FF0000"/>
+                </a:solidFill>
+              </a:rPr>
+              <a:t>3</a:t>
+            </a:r>
             <a:r>
               <a:rPr lang="zh-CN" altLang="en-US" sz="1200" dirty="0" smtClean="0">
                 <a:solidFill>
                   <a:srgbClr val="FF0000"/>
                 </a:solidFill>
               </a:rPr>
-              <a:t>如：模拟发一个帖子后等待</a:t>
-            </a:r>
-            <a:r>
-              <a:rPr lang="en-US" altLang="zh-CN" sz="1200" dirty="0" smtClean="0">
-                <a:solidFill>
-                  <a:srgbClr val="FF0000"/>
-                </a:solidFill>
-              </a:rPr>
-              <a:t>5</a:t>
-            </a:r>
-            <a:r>
-              <a:rPr lang="zh-CN" altLang="en-US" sz="1200" dirty="0" smtClean="0">
-                <a:solidFill>
-                  <a:srgbClr val="FF0000"/>
-                </a:solidFill>
-              </a:rPr>
-              <a:t>分钟再发下一个帖子，共发</a:t>
-            </a:r>
-            <a:r>
-              <a:rPr lang="en-US" altLang="zh-CN" sz="1200" dirty="0" smtClean="0">
-                <a:solidFill>
-                  <a:srgbClr val="FF0000"/>
-                </a:solidFill>
-              </a:rPr>
-              <a:t>50</a:t>
-            </a:r>
-            <a:r>
-              <a:rPr lang="zh-CN" altLang="en-US" sz="1200" dirty="0" smtClean="0">
-                <a:solidFill>
-                  <a:srgbClr val="FF0000"/>
-                </a:solidFill>
-              </a:rPr>
-              <a:t>个帖子</a:t>
+              <a:t>、单击“属性”设置迭代次数和操作的运行逻辑。</a:t>
             </a:r>
             <a:endParaRPr lang="en-US" altLang="zh-CN" sz="1200" dirty="0" smtClean="0">
               <a:solidFill>
@@ -2202,13 +2638,22 @@
             </a:endParaRPr>
           </a:p>
           <a:p>
+            <a:pPr lvl="0"/>
+            <a:r>
+              <a:rPr lang="en-US" altLang="zh-CN" sz="1200" dirty="0" smtClean="0">
+                <a:solidFill>
+                  <a:srgbClr val="FF0000"/>
+                </a:solidFill>
+              </a:rPr>
+              <a:t>4</a:t>
+            </a:r>
             <a:r>
               <a:rPr lang="zh-CN" altLang="en-US" sz="1200" dirty="0" smtClean="0">
                 <a:solidFill>
                   <a:srgbClr val="FF0000"/>
                 </a:solidFill>
               </a:rPr>
-              <a:t>        模拟用户每隔</a:t>
+              <a:t>、对于采用“随机”运行逻辑的块，请设置每个操作的权重。所有百分比的总和必须等于 </a:t>
             </a:r>
             <a:r>
               <a:rPr lang="en-US" altLang="zh-CN" sz="1200" dirty="0" smtClean="0">
@@ -2216,7 +2661,7 @@
                   <a:srgbClr val="FF0000"/>
                 </a:solidFill>
               </a:rPr>
-              <a:t>5</a:t>
+              <a:t>100</a:t>
             </a:r>
             <a:r>
               <a:rPr lang="zh-CN" altLang="en-US" sz="1200" dirty="0" smtClean="0">
@@ -2224,35 +2669,91 @@
                   <a:srgbClr val="FF0000"/>
                 </a:solidFill>
               </a:rPr>
-              <a:t>分钟发一个帖子，共发</a:t>
-            </a:r>
-            <a:r>
-              <a:rPr lang="en-US" altLang="zh-CN" sz="1200" dirty="0" smtClean="0">
-                <a:solidFill>
-                  <a:srgbClr val="FF0000"/>
-                </a:solidFill>
-              </a:rPr>
-              <a:t>50</a:t>
-            </a:r>
-            <a:r>
-              <a:rPr lang="zh-CN" altLang="en-US" sz="1200" dirty="0" smtClean="0">
-                <a:solidFill>
-                  <a:srgbClr val="FF0000"/>
-                </a:solidFill>
-              </a:rPr>
-              <a:t>个帖子</a:t>
-            </a:r>
-            <a:endParaRPr lang="en-US" altLang="zh-CN" sz="1200" dirty="0" smtClean="0">
+              <a:t>。</a:t>
+            </a:r>
+            <a:r>
+              <a:rPr kumimoji="0" lang="zh-CN" altLang="zh-CN" sz="1200" b="0" i="0" u="none" strike="noStrike" cap="none" normalizeH="0" baseline="0" dirty="0" smtClean="0">
+                <a:ln>
+                  <a:noFill/>
+                </a:ln>
+                <a:solidFill>
+                  <a:schemeClr val="tx1"/>
+                </a:solidFill>
+                <a:effectLst/>
+                <a:latin typeface="Arial" charset="0"/>
+                <a:ea typeface="宋体" charset="-122"/>
+              </a:rPr>
+              <a:t/>
+            </a:r>
+            <a:br>
+              <a:rPr kumimoji="0" lang="zh-CN" altLang="zh-CN" sz="1200" b="0" i="0" u="none" strike="noStrike" cap="none" normalizeH="0" baseline="0" dirty="0" smtClean="0">
+                <a:ln>
+                  <a:noFill/>
+                </a:ln>
+                <a:solidFill>
+                  <a:schemeClr val="tx1"/>
+                </a:solidFill>
+                <a:effectLst/>
+                <a:latin typeface="Arial" charset="0"/>
+                <a:ea typeface="宋体" charset="-122"/>
+              </a:rPr>
+            </a:br>
+            <a:endParaRPr kumimoji="0" lang="zh-CN" altLang="zh-CN" sz="1200" b="0" i="0" u="none" strike="noStrike" cap="none" normalizeH="0" baseline="0" dirty="0" smtClean="0">
+              <a:ln>
+                <a:noFill/>
+              </a:ln>
               <a:solidFill>
-                <a:srgbClr val="FF0000"/>
+                <a:schemeClr val="tx1"/>
               </a:solidFill>
+              <a:effectLst/>
+              <a:latin typeface="Arial" charset="0"/>
+              <a:ea typeface="宋体" charset="-122"/>
             </a:endParaRPr>
           </a:p>
           <a:p>
-            <a:r>
-              <a:rPr lang="zh-CN" altLang="en-US" dirty="0" smtClean="0"/>
-              <a:t>如果上一次迭代在该时间结束</a:t>
-            </a:r>
+            <a:pPr marL="0" marR="0" lvl="1" indent="0" algn="l" defTabSz="914400" rtl="0" eaLnBrk="0" fontAlgn="base" latinLnBrk="0" hangingPunct="0">
+              <a:lnSpc>
+                <a:spcPct val="100000"/>
+              </a:lnSpc>
+              <a:spcBef>
+                <a:spcPct val="30000"/>
+              </a:spcBef>
+              <a:spcAft>
+                <a:spcPct val="0"/>
+              </a:spcAft>
+              <a:buClrTx/>
+              <a:buSzTx/>
+              <a:buFontTx/>
+              <a:buNone/>
+              <a:tabLst/>
+              <a:defRPr/>
+            </a:pPr>
+            <a:r>
+              <a:rPr lang="zh-CN" altLang="en-US" sz="1800" dirty="0" smtClean="0">
+                <a:solidFill>
+                  <a:schemeClr val="tx1"/>
+                </a:solidFill>
+              </a:rPr>
+              <a:t>迭代：除了设置整个 </a:t>
+            </a:r>
+            <a:r>
+              <a:rPr lang="en-US" altLang="zh-CN" sz="1800" dirty="0" smtClean="0">
+                <a:solidFill>
+                  <a:schemeClr val="tx1"/>
+                </a:solidFill>
+              </a:rPr>
+              <a:t>Run</a:t>
+            </a:r>
+            <a:r>
+              <a:rPr lang="zh-CN" altLang="en-US" sz="1800" dirty="0" smtClean="0">
+                <a:solidFill>
+                  <a:schemeClr val="tx1"/>
+                </a:solidFill>
+              </a:rPr>
+              <a:t> 部分的迭代次数外，还可以设置单个操作或操作块的迭代。该设置非常有用，例如，可以用来模拟一个商业站点，您在该站点执行了多次查询查找某个产品，但只进行了一次购买。</a:t>
+            </a:r>
+          </a:p>
+          <a:p>
             <a:endParaRPr lang="zh-CN" altLang="en-US" dirty="0"/>
           </a:p>
         </p:txBody>
@@ -2275,7 +2776,7 @@
             <a:fld id="{83060E57-2597-4886-99DA-3D12E33994EF}" type="slidenum">
               <a:rPr lang="en-US" altLang="ko-KR" smtClean="0"/>
               <a:pPr/>
-              <a:t>9</a:t>
+              <a:t>8</a:t>
             </a:fld>
             <a:endParaRPr lang="en-US" altLang="ko-KR" dirty="0"/>
           </a:p>
@@ -2341,109 +2842,12 @@
           <a:lstStyle/>
           <a:p>
             <a:r>
-              <a:rPr lang="zh-CN" altLang="en-US" b="1" dirty="0" smtClean="0">
+              <a:rPr lang="zh-CN" altLang="en-US" sz="1200" dirty="0" smtClean="0">
                 <a:solidFill>
                   <a:srgbClr val="FF0000"/>
                 </a:solidFill>
               </a:rPr>
-              <a:t>标准日志</a:t>
-            </a:r>
-            <a:r>
-              <a:rPr lang="zh-CN" altLang="en-US" dirty="0" smtClean="0">
-                <a:solidFill>
-                  <a:srgbClr val="FF0000"/>
-                </a:solidFill>
-              </a:rPr>
-              <a:t>：创建在脚本执行期间发送的函数和消息的标准日志，供调试时使用。</a:t>
-            </a:r>
-            <a:endParaRPr lang="en-US" altLang="zh-CN" dirty="0" smtClean="0">
-              <a:solidFill>
-                <a:srgbClr val="FF0000"/>
-              </a:solidFill>
-            </a:endParaRPr>
-          </a:p>
-          <a:p>
-            <a:r>
-              <a:rPr lang="zh-CN" altLang="en-US" b="1" dirty="0" smtClean="0">
-                <a:solidFill>
-                  <a:srgbClr val="FF0000"/>
-                </a:solidFill>
-              </a:rPr>
-              <a:t>扩展日志：</a:t>
-            </a:r>
-            <a:r>
-              <a:rPr lang="zh-CN" altLang="en-US" dirty="0" smtClean="0">
-                <a:solidFill>
-                  <a:srgbClr val="FF0000"/>
-                </a:solidFill>
-              </a:rPr>
-              <a:t>创建扩展日志，包括警告和其他消息。</a:t>
-            </a:r>
-          </a:p>
-          <a:p>
-            <a:r>
-              <a:rPr lang="zh-CN" altLang="en-US" sz="1200" dirty="0" smtClean="0">
-                <a:solidFill>
-                  <a:srgbClr val="FF0000"/>
-                </a:solidFill>
-              </a:rPr>
-              <a:t>执行期间，</a:t>
-            </a:r>
-            <a:r>
-              <a:rPr lang="en-US" altLang="zh-CN" sz="1200" dirty="0" err="1" smtClean="0">
-                <a:solidFill>
-                  <a:srgbClr val="FF0000"/>
-                </a:solidFill>
-              </a:rPr>
-              <a:t>Vuser</a:t>
-            </a:r>
-            <a:r>
-              <a:rPr lang="en-US" altLang="zh-CN" sz="1200" dirty="0" smtClean="0">
-                <a:solidFill>
-                  <a:srgbClr val="FF0000"/>
-                </a:solidFill>
-              </a:rPr>
-              <a:t> </a:t>
-            </a:r>
-            <a:r>
-              <a:rPr lang="zh-CN" altLang="en-US" sz="1200" dirty="0" smtClean="0">
-                <a:solidFill>
-                  <a:srgbClr val="FF0000"/>
-                </a:solidFill>
-              </a:rPr>
-              <a:t>会记录有关它本身及其与服务器之间通信的信息。在 </a:t>
-            </a:r>
-            <a:r>
-              <a:rPr lang="en-US" altLang="zh-CN" sz="1200" dirty="0" smtClean="0">
-                <a:solidFill>
-                  <a:srgbClr val="FF0000"/>
-                </a:solidFill>
-              </a:rPr>
-              <a:t>Windows </a:t>
-            </a:r>
-            <a:r>
-              <a:rPr lang="zh-CN" altLang="en-US" sz="1200" dirty="0" smtClean="0">
-                <a:solidFill>
-                  <a:srgbClr val="FF0000"/>
-                </a:solidFill>
-              </a:rPr>
-              <a:t>环境中，该信息将存储在脚本目录下名为 </a:t>
-            </a:r>
-            <a:r>
-              <a:rPr lang="en-US" altLang="zh-CN" sz="1200" i="1" dirty="0" smtClean="0">
-                <a:solidFill>
-                  <a:srgbClr val="FF0000"/>
-                </a:solidFill>
-              </a:rPr>
-              <a:t>output.txt</a:t>
-            </a:r>
-            <a:r>
-              <a:rPr lang="zh-CN" altLang="en-US" sz="1200" dirty="0" smtClean="0">
-                <a:solidFill>
-                  <a:srgbClr val="FF0000"/>
-                </a:solidFill>
-              </a:rPr>
-              <a:t> 的文件中。</a:t>
+              <a:t>迭代时间间隔</a:t>
             </a:r>
             <a:endParaRPr lang="en-US" altLang="zh-CN" sz="1200" dirty="0" smtClean="0">
               <a:solidFill>
@@ -2458,418 +2862,98 @@
                   <a:srgbClr val="FF0000"/>
                 </a:solidFill>
               </a:rPr>
-              <a:t>调试时，该日志信息非常有用。</a:t>
-            </a:r>
-          </a:p>
-          <a:p>
-            <a:pPr marL="0" marR="0" indent="0" algn="l" defTabSz="914400" rtl="0" eaLnBrk="0" fontAlgn="base" latinLnBrk="0" hangingPunct="0">
-              <a:lnSpc>
-                <a:spcPct val="100000"/>
-              </a:lnSpc>
-              <a:spcBef>
-                <a:spcPct val="30000"/>
-              </a:spcBef>
-              <a:spcAft>
-                <a:spcPct val="0"/>
-              </a:spcAft>
-              <a:buClrTx/>
-              <a:buSzTx/>
-              <a:buFontTx/>
-              <a:buNone/>
-              <a:tabLst/>
-              <a:defRPr/>
-            </a:pPr>
+              <a:t>如：模拟发一个帖子后等待</a:t>
+            </a:r>
+            <a:r>
+              <a:rPr lang="en-US" altLang="zh-CN" sz="1200" dirty="0" smtClean="0">
+                <a:solidFill>
+                  <a:srgbClr val="FF0000"/>
+                </a:solidFill>
+              </a:rPr>
+              <a:t>5</a:t>
+            </a:r>
+            <a:r>
+              <a:rPr lang="zh-CN" altLang="en-US" sz="1200" dirty="0" smtClean="0">
+                <a:solidFill>
+                  <a:srgbClr val="FF0000"/>
+                </a:solidFill>
+              </a:rPr>
+              <a:t>分钟再发下一个帖子，共发</a:t>
+            </a:r>
+            <a:r>
+              <a:rPr lang="en-US" altLang="zh-CN" sz="1200" dirty="0" smtClean="0">
+                <a:solidFill>
+                  <a:srgbClr val="FF0000"/>
+                </a:solidFill>
+              </a:rPr>
+              <a:t>50</a:t>
+            </a:r>
+            <a:r>
+              <a:rPr lang="zh-CN" altLang="en-US" sz="1200" dirty="0" smtClean="0">
+                <a:solidFill>
+                  <a:srgbClr val="FF0000"/>
+                </a:solidFill>
+              </a:rPr>
+              <a:t>个帖子</a:t>
+            </a:r>
+            <a:endParaRPr lang="en-US" altLang="zh-CN" sz="1200" dirty="0" smtClean="0">
+              <a:solidFill>
+                <a:srgbClr val="FF0000"/>
+              </a:solidFill>
+            </a:endParaRPr>
+          </a:p>
+          <a:p>
+            <a:r>
+              <a:rPr lang="zh-CN" altLang="en-US" sz="1200" dirty="0" smtClean="0">
+                <a:solidFill>
+                  <a:srgbClr val="FF0000"/>
+                </a:solidFill>
+              </a:rPr>
+              <a:t>        模拟用户每隔</a:t>
+            </a:r>
+            <a:r>
+              <a:rPr lang="en-US" altLang="zh-CN" sz="1200" dirty="0" smtClean="0">
+                <a:solidFill>
+                  <a:srgbClr val="FF0000"/>
+                </a:solidFill>
+              </a:rPr>
+              <a:t>5</a:t>
+            </a:r>
+            <a:r>
+              <a:rPr lang="zh-CN" altLang="en-US" sz="1200" dirty="0" smtClean="0">
+                <a:solidFill>
+                  <a:srgbClr val="FF0000"/>
+                </a:solidFill>
+              </a:rPr>
+              <a:t>分钟发一个帖子，共发</a:t>
+            </a:r>
+            <a:r>
+              <a:rPr lang="en-US" altLang="zh-CN" sz="1200" dirty="0" smtClean="0">
+                <a:solidFill>
+                  <a:srgbClr val="FF0000"/>
+                </a:solidFill>
+              </a:rPr>
+              <a:t>50</a:t>
+            </a:r>
+            <a:r>
+              <a:rPr lang="zh-CN" altLang="en-US" sz="1200" dirty="0" smtClean="0">
+                <a:solidFill>
+                  <a:srgbClr val="FF0000"/>
+                </a:solidFill>
+              </a:rPr>
+              <a:t>个帖子</a:t>
+            </a:r>
+            <a:endParaRPr lang="en-US" altLang="zh-CN" sz="1200" dirty="0" smtClean="0">
+              <a:solidFill>
+                <a:srgbClr val="FF0000"/>
+              </a:solidFill>
+            </a:endParaRPr>
+          </a:p>
+          <a:p>
             <a:r>
               <a:rPr lang="zh-CN" altLang="en-US" dirty="0" smtClean="0"/>
-              <a:t>参数替换，日志功能开启，会占用网络带宽，磁盘空间</a:t>
-            </a:r>
-            <a:endParaRPr lang="en-US" altLang="zh-CN" dirty="0" smtClean="0"/>
-          </a:p>
-          <a:p>
-            <a:pPr marL="0" marR="0" indent="0" algn="l" defTabSz="914400" rtl="0" eaLnBrk="0" fontAlgn="base" latinLnBrk="0" hangingPunct="0">
-              <a:lnSpc>
-                <a:spcPct val="100000"/>
-              </a:lnSpc>
-              <a:spcBef>
-                <a:spcPct val="30000"/>
-              </a:spcBef>
-              <a:spcAft>
-                <a:spcPct val="0"/>
-              </a:spcAft>
-              <a:buClrTx/>
-              <a:buSzTx/>
-              <a:buFontTx/>
-              <a:buNone/>
-              <a:tabLst/>
-              <a:defRPr/>
-            </a:pPr>
-            <a:r>
-              <a:rPr lang="zh-CN" altLang="en-US" dirty="0" smtClean="0"/>
-              <a:t>高级跟踪：服务器端与客户端之间的信息，都会被记录</a:t>
-            </a:r>
-            <a:endParaRPr lang="en-US" altLang="zh-CN" dirty="0" smtClean="0"/>
-          </a:p>
-          <a:p>
-            <a:r>
-              <a:rPr lang="en-US" altLang="zh-CN" sz="1200" kern="1200" dirty="0" err="1" smtClean="0">
-                <a:solidFill>
-                  <a:schemeClr val="tx1"/>
-                </a:solidFill>
-                <a:effectLst/>
-                <a:latin typeface="+mn-lt"/>
-                <a:ea typeface="+mn-ea"/>
-                <a:cs typeface="+mn-cs"/>
-              </a:rPr>
-              <a:t>lr_log_message</a:t>
-            </a:r>
-            <a:r>
-              <a:rPr lang="en-US" altLang="zh-CN" sz="1200" kern="1200" dirty="0" smtClean="0">
-                <a:solidFill>
-                  <a:schemeClr val="tx1"/>
-                </a:solidFill>
-                <a:effectLst/>
-                <a:latin typeface="+mn-lt"/>
-                <a:ea typeface="+mn-ea"/>
-                <a:cs typeface="+mn-cs"/>
-              </a:rPr>
-              <a:t>  </a:t>
-            </a:r>
-            <a:r>
-              <a:rPr lang="zh-CN" altLang="zh-CN" sz="1200" kern="1200" dirty="0" smtClean="0">
-                <a:solidFill>
-                  <a:schemeClr val="tx1"/>
-                </a:solidFill>
-                <a:effectLst/>
-                <a:latin typeface="+mn-lt"/>
-                <a:ea typeface="+mn-ea"/>
-                <a:cs typeface="+mn-cs"/>
-              </a:rPr>
-              <a:t>只是记会写到本地</a:t>
-            </a:r>
-            <a:r>
-              <a:rPr lang="en-US" altLang="zh-CN" sz="1200" kern="1200" dirty="0" err="1" smtClean="0">
-                <a:solidFill>
-                  <a:schemeClr val="tx1"/>
-                </a:solidFill>
-                <a:effectLst/>
-                <a:latin typeface="+mn-lt"/>
-                <a:ea typeface="+mn-ea"/>
-                <a:cs typeface="+mn-cs"/>
-              </a:rPr>
-              <a:t>vuser</a:t>
-            </a:r>
-            <a:r>
-              <a:rPr lang="zh-CN" altLang="zh-CN" sz="1200" kern="1200" dirty="0" smtClean="0">
-                <a:solidFill>
-                  <a:schemeClr val="tx1"/>
-                </a:solidFill>
-                <a:effectLst/>
-                <a:latin typeface="+mn-lt"/>
-                <a:ea typeface="+mn-ea"/>
-                <a:cs typeface="+mn-cs"/>
-              </a:rPr>
-              <a:t>的</a:t>
-            </a:r>
-            <a:r>
-              <a:rPr lang="en-US" altLang="zh-CN" sz="1200" kern="1200" dirty="0" smtClean="0">
-                <a:solidFill>
-                  <a:schemeClr val="tx1"/>
-                </a:solidFill>
-                <a:effectLst/>
-                <a:latin typeface="+mn-lt"/>
-                <a:ea typeface="+mn-ea"/>
-                <a:cs typeface="+mn-cs"/>
-              </a:rPr>
-              <a:t>log</a:t>
-            </a:r>
-            <a:r>
-              <a:rPr lang="zh-CN" altLang="zh-CN" sz="1200" kern="1200" dirty="0" smtClean="0">
-                <a:solidFill>
-                  <a:schemeClr val="tx1"/>
-                </a:solidFill>
-                <a:effectLst/>
-                <a:latin typeface="+mn-lt"/>
-                <a:ea typeface="+mn-ea"/>
-                <a:cs typeface="+mn-cs"/>
-              </a:rPr>
-              <a:t>里面。</a:t>
-            </a:r>
-          </a:p>
-          <a:p>
-            <a:r>
-              <a:rPr lang="en-US" altLang="zh-CN" sz="1200" kern="1200" dirty="0" smtClean="0">
-                <a:solidFill>
-                  <a:schemeClr val="tx1"/>
-                </a:solidFill>
-                <a:effectLst/>
-                <a:latin typeface="+mn-lt"/>
-                <a:ea typeface="+mn-ea"/>
-                <a:cs typeface="+mn-cs"/>
-              </a:rPr>
-              <a:t/>
-            </a:r>
-            <a:br>
-              <a:rPr lang="en-US" altLang="zh-CN" sz="1200" kern="1200" dirty="0" smtClean="0">
-                <a:solidFill>
-                  <a:schemeClr val="tx1"/>
-                </a:solidFill>
-                <a:effectLst/>
-                <a:latin typeface="+mn-lt"/>
-                <a:ea typeface="+mn-ea"/>
-                <a:cs typeface="+mn-cs"/>
-              </a:rPr>
-            </a:br>
-            <a:r>
-              <a:rPr lang="en-US" altLang="zh-CN" sz="1200" kern="1200" dirty="0" err="1" smtClean="0">
-                <a:solidFill>
-                  <a:schemeClr val="tx1"/>
-                </a:solidFill>
-                <a:effectLst/>
-                <a:latin typeface="+mn-lt"/>
-                <a:ea typeface="+mn-ea"/>
-                <a:cs typeface="+mn-cs"/>
-              </a:rPr>
-              <a:t>lr_message</a:t>
-            </a:r>
-            <a:r>
-              <a:rPr lang="en-US" altLang="zh-CN" sz="1200" kern="1200" dirty="0" smtClean="0">
-                <a:solidFill>
-                  <a:schemeClr val="tx1"/>
-                </a:solidFill>
-                <a:effectLst/>
-                <a:latin typeface="+mn-lt"/>
-                <a:ea typeface="+mn-ea"/>
-                <a:cs typeface="+mn-cs"/>
-              </a:rPr>
-              <a:t> </a:t>
-            </a:r>
-            <a:r>
-              <a:rPr lang="zh-CN" altLang="zh-CN" sz="1200" kern="1200" dirty="0" smtClean="0">
-                <a:solidFill>
-                  <a:schemeClr val="tx1"/>
-                </a:solidFill>
-                <a:effectLst/>
-                <a:latin typeface="+mn-lt"/>
-                <a:ea typeface="+mn-ea"/>
-                <a:cs typeface="+mn-cs"/>
-              </a:rPr>
-              <a:t>和</a:t>
-            </a:r>
-            <a:r>
-              <a:rPr lang="en-US" altLang="zh-CN" sz="1200" kern="1200" dirty="0" err="1" smtClean="0">
-                <a:solidFill>
-                  <a:schemeClr val="tx1"/>
-                </a:solidFill>
-                <a:effectLst/>
-                <a:latin typeface="+mn-lt"/>
-                <a:ea typeface="+mn-ea"/>
-                <a:cs typeface="+mn-cs"/>
-              </a:rPr>
-              <a:t>lr_output_message</a:t>
-            </a:r>
-            <a:r>
-              <a:rPr lang="zh-CN" altLang="zh-CN" sz="1200" kern="1200" dirty="0" smtClean="0">
-                <a:solidFill>
-                  <a:schemeClr val="tx1"/>
-                </a:solidFill>
-                <a:effectLst/>
-                <a:latin typeface="+mn-lt"/>
-                <a:ea typeface="+mn-ea"/>
-                <a:cs typeface="+mn-cs"/>
-              </a:rPr>
-              <a:t>基本相同，它们会同时写到</a:t>
-            </a:r>
-            <a:r>
-              <a:rPr lang="en-US" altLang="zh-CN" sz="1200" kern="1200" dirty="0" err="1" smtClean="0">
-                <a:solidFill>
-                  <a:schemeClr val="tx1"/>
-                </a:solidFill>
-                <a:effectLst/>
-                <a:latin typeface="+mn-lt"/>
-                <a:ea typeface="+mn-ea"/>
-                <a:cs typeface="+mn-cs"/>
-              </a:rPr>
-              <a:t>vuser</a:t>
-            </a:r>
-            <a:r>
-              <a:rPr lang="zh-CN" altLang="zh-CN" sz="1200" kern="1200" dirty="0" smtClean="0">
-                <a:solidFill>
-                  <a:schemeClr val="tx1"/>
-                </a:solidFill>
-                <a:effectLst/>
-                <a:latin typeface="+mn-lt"/>
-                <a:ea typeface="+mn-ea"/>
-                <a:cs typeface="+mn-cs"/>
-              </a:rPr>
-              <a:t>的</a:t>
-            </a:r>
-            <a:r>
-              <a:rPr lang="en-US" altLang="zh-CN" sz="1200" kern="1200" dirty="0" smtClean="0">
-                <a:solidFill>
-                  <a:schemeClr val="tx1"/>
-                </a:solidFill>
-                <a:effectLst/>
-                <a:latin typeface="+mn-lt"/>
-                <a:ea typeface="+mn-ea"/>
-                <a:cs typeface="+mn-cs"/>
-              </a:rPr>
-              <a:t>log</a:t>
-            </a:r>
-            <a:r>
-              <a:rPr lang="zh-CN" altLang="zh-CN" sz="1200" kern="1200" dirty="0" smtClean="0">
-                <a:solidFill>
-                  <a:schemeClr val="tx1"/>
-                </a:solidFill>
-                <a:effectLst/>
-                <a:latin typeface="+mn-lt"/>
-                <a:ea typeface="+mn-ea"/>
-                <a:cs typeface="+mn-cs"/>
-              </a:rPr>
-              <a:t>和发送到</a:t>
-            </a:r>
-            <a:r>
-              <a:rPr lang="en-US" altLang="zh-CN" sz="1200" kern="1200" dirty="0" smtClean="0">
-                <a:solidFill>
-                  <a:schemeClr val="tx1"/>
-                </a:solidFill>
-                <a:effectLst/>
-                <a:latin typeface="+mn-lt"/>
-                <a:ea typeface="+mn-ea"/>
-                <a:cs typeface="+mn-cs"/>
-              </a:rPr>
-              <a:t>controller</a:t>
-            </a:r>
-            <a:r>
-              <a:rPr lang="zh-CN" altLang="zh-CN" sz="1200" kern="1200" dirty="0" smtClean="0">
-                <a:solidFill>
-                  <a:schemeClr val="tx1"/>
-                </a:solidFill>
-                <a:effectLst/>
-                <a:latin typeface="+mn-lt"/>
-                <a:ea typeface="+mn-ea"/>
-                <a:cs typeface="+mn-cs"/>
-              </a:rPr>
-              <a:t>里面，也就是说如果你在有很多压力客户 机，它们会把信息除了记录在本地的</a:t>
-            </a:r>
-            <a:r>
-              <a:rPr lang="en-US" altLang="zh-CN" sz="1200" kern="1200" dirty="0" err="1" smtClean="0">
-                <a:solidFill>
-                  <a:schemeClr val="tx1"/>
-                </a:solidFill>
-                <a:effectLst/>
-                <a:latin typeface="+mn-lt"/>
-                <a:ea typeface="+mn-ea"/>
-                <a:cs typeface="+mn-cs"/>
-              </a:rPr>
-              <a:t>vuser</a:t>
-            </a:r>
-            <a:r>
-              <a:rPr lang="zh-CN" altLang="zh-CN" sz="1200" kern="1200" dirty="0" smtClean="0">
-                <a:solidFill>
-                  <a:schemeClr val="tx1"/>
-                </a:solidFill>
-                <a:effectLst/>
-                <a:latin typeface="+mn-lt"/>
-                <a:ea typeface="+mn-ea"/>
-                <a:cs typeface="+mn-cs"/>
-              </a:rPr>
-              <a:t>之外，还要发送到远端的</a:t>
-            </a:r>
-            <a:r>
-              <a:rPr lang="en-US" altLang="zh-CN" sz="1200" kern="1200" dirty="0" smtClean="0">
-                <a:solidFill>
-                  <a:schemeClr val="tx1"/>
-                </a:solidFill>
-                <a:effectLst/>
-                <a:latin typeface="+mn-lt"/>
-                <a:ea typeface="+mn-ea"/>
-                <a:cs typeface="+mn-cs"/>
-              </a:rPr>
-              <a:t>controller</a:t>
-            </a:r>
-            <a:r>
-              <a:rPr lang="zh-CN" altLang="zh-CN" sz="1200" kern="1200" dirty="0" smtClean="0">
-                <a:solidFill>
-                  <a:schemeClr val="tx1"/>
-                </a:solidFill>
-                <a:effectLst/>
-                <a:latin typeface="+mn-lt"/>
-                <a:ea typeface="+mn-ea"/>
-                <a:cs typeface="+mn-cs"/>
-              </a:rPr>
-              <a:t>中，这会浪费大量的网络带宽和</a:t>
-            </a:r>
-            <a:r>
-              <a:rPr lang="en-US" altLang="zh-CN" sz="1200" kern="1200" dirty="0" smtClean="0">
-                <a:solidFill>
-                  <a:schemeClr val="tx1"/>
-                </a:solidFill>
-                <a:effectLst/>
-                <a:latin typeface="+mn-lt"/>
-                <a:ea typeface="+mn-ea"/>
-                <a:cs typeface="+mn-cs"/>
-              </a:rPr>
-              <a:t>controller</a:t>
-            </a:r>
-            <a:r>
-              <a:rPr lang="zh-CN" altLang="zh-CN" sz="1200" kern="1200" dirty="0" smtClean="0">
-                <a:solidFill>
-                  <a:schemeClr val="tx1"/>
-                </a:solidFill>
-                <a:effectLst/>
-                <a:latin typeface="+mn-lt"/>
-                <a:ea typeface="+mn-ea"/>
-                <a:cs typeface="+mn-cs"/>
-              </a:rPr>
-              <a:t>的资 源，</a:t>
-            </a:r>
-            <a:r>
-              <a:rPr lang="en-US" altLang="zh-CN" sz="1200" kern="1200" dirty="0" err="1" smtClean="0">
-                <a:solidFill>
-                  <a:schemeClr val="tx1"/>
-                </a:solidFill>
-                <a:effectLst/>
-                <a:latin typeface="+mn-lt"/>
-                <a:ea typeface="+mn-ea"/>
-                <a:cs typeface="+mn-cs"/>
-              </a:rPr>
-              <a:t>lr_output_message</a:t>
-            </a:r>
-            <a:r>
-              <a:rPr lang="zh-CN" altLang="zh-CN" sz="1200" kern="1200" dirty="0" smtClean="0">
-                <a:solidFill>
-                  <a:schemeClr val="tx1"/>
-                </a:solidFill>
-                <a:effectLst/>
-                <a:latin typeface="+mn-lt"/>
-                <a:ea typeface="+mn-ea"/>
-                <a:cs typeface="+mn-cs"/>
-              </a:rPr>
-              <a:t>多了一个输出信息语句在脚本中的位置。</a:t>
-            </a:r>
-            <a:r>
-              <a:rPr lang="en-US" altLang="zh-CN" sz="1200" kern="1200" dirty="0" smtClean="0">
-                <a:solidFill>
-                  <a:schemeClr val="tx1"/>
-                </a:solidFill>
-                <a:effectLst/>
-                <a:latin typeface="+mn-lt"/>
-                <a:ea typeface="+mn-ea"/>
-                <a:cs typeface="+mn-cs"/>
-              </a:rPr>
-              <a:t/>
-            </a:r>
-            <a:br>
-              <a:rPr lang="en-US" altLang="zh-CN" sz="1200" kern="1200" dirty="0" smtClean="0">
-                <a:solidFill>
-                  <a:schemeClr val="tx1"/>
-                </a:solidFill>
-                <a:effectLst/>
-                <a:latin typeface="+mn-lt"/>
-                <a:ea typeface="+mn-ea"/>
-                <a:cs typeface="+mn-cs"/>
-              </a:rPr>
-            </a:br>
+              <a:t>如果上一次迭代在该时间结束</a:t>
+            </a:r>
             <a:endParaRPr lang="zh-CN" altLang="en-US" dirty="0"/>
           </a:p>
         </p:txBody>
@@ -2892,7 +2976,7 @@
             <a:fld id="{83060E57-2597-4886-99DA-3D12E33994EF}" type="slidenum">
               <a:rPr lang="en-US" altLang="ko-KR" smtClean="0"/>
               <a:pPr/>
-              <a:t>10</a:t>
+              <a:t>9</a:t>
             </a:fld>
             <a:endParaRPr lang="en-US" altLang="ko-KR" dirty="0"/>
           </a:p>
@@ -2940,7 +3024,7 @@
           <a:p>
             <a:fld id="{530820CF-B880-4189-942D-D702A7CBA730}" type="datetimeFigureOut">
               <a:rPr lang="zh-CN" altLang="en-US" smtClean="0"/>
-              <a:t>2019/10/21</a:t>
+              <a:t>2019/10/22</a:t>
             </a:fld>
             <a:endParaRPr lang="zh-CN" altLang="en-US"/>
           </a:p>
@@ -3333,7 +3417,7 @@
           <a:p>
             <a:fld id="{530820CF-B880-4189-942D-D702A7CBA730}" type="datetimeFigureOut">
               <a:rPr lang="zh-CN" altLang="en-US" smtClean="0"/>
-              <a:t>2019/10/21</a:t>
+              <a:t>2019/10/22</a:t>
             </a:fld>
             <a:endParaRPr lang="zh-CN" altLang="en-US"/>
           </a:p>
@@ -3879,7 +3963,7 @@
           <a:p>
             <a:fld id="{530820CF-B880-4189-942D-D702A7CBA730}" type="datetimeFigureOut">
               <a:rPr lang="zh-CN" altLang="en-US" smtClean="0"/>
-              <a:t>2019/10/21</a:t>
+              <a:t>2019/10/22</a:t>
             </a:fld>
             <a:endParaRPr lang="zh-CN" altLang="en-US"/>
           </a:p>
@@ -10314,7 +10398,7 @@
         </p:blipFill>
         <p:spPr bwMode="auto">
           <a:xfrm>
-            <a:off x="4175975" y="2491979"/>
+            <a:off x="4427984" y="3170417"/>
             <a:ext cx="4573587" cy="2390775"/>
           </a:xfrm>
           <a:prstGeom prst="rect">
